--- a/Slides/Wk1Day1-Intro.pptx
+++ b/Slides/Wk1Day1-Intro.pptx
@@ -228,7 +228,7 @@
           <a:p>
             <a:fld id="{1FC32AA1-1225-9048-80C3-2B6F58548154}" type="datetimeFigureOut">
               <a:rPr lang="en-US" smtClean="0"/>
-              <a:t>1/8/18</a:t>
+              <a:t>9/24/18</a:t>
             </a:fld>
             <a:endParaRPr lang="en-US"/>
           </a:p>
@@ -292,38 +292,37 @@
           <a:p>
             <a:pPr lvl="0"/>
             <a:r>
-              <a:rPr lang="en-US" smtClean="0"/>
+              <a:rPr lang="en-US"/>
               <a:t>Click to edit Master text styles</a:t>
             </a:r>
           </a:p>
           <a:p>
             <a:pPr lvl="1"/>
             <a:r>
-              <a:rPr lang="en-US" smtClean="0"/>
+              <a:rPr lang="en-US"/>
               <a:t>Second level</a:t>
             </a:r>
           </a:p>
           <a:p>
             <a:pPr lvl="2"/>
             <a:r>
-              <a:rPr lang="en-US" smtClean="0"/>
+              <a:rPr lang="en-US"/>
               <a:t>Third level</a:t>
             </a:r>
           </a:p>
           <a:p>
             <a:pPr lvl="3"/>
             <a:r>
-              <a:rPr lang="en-US" smtClean="0"/>
+              <a:rPr lang="en-US"/>
               <a:t>Fourth level</a:t>
             </a:r>
           </a:p>
           <a:p>
             <a:pPr lvl="4"/>
             <a:r>
-              <a:rPr lang="en-US" smtClean="0"/>
+              <a:rPr lang="en-US"/>
               <a:t>Fifth level</a:t>
             </a:r>
-            <a:endParaRPr lang="en-US"/>
           </a:p>
         </p:txBody>
       </p:sp>
@@ -541,10 +540,9 @@
           <a:lstStyle/>
           <a:p>
             <a:r>
-              <a:rPr lang="en-US" dirty="0" smtClean="0"/>
+              <a:rPr lang="en-US" dirty="0"/>
               <a:t>Take roll</a:t>
             </a:r>
-            <a:endParaRPr lang="en-US" dirty="0"/>
           </a:p>
         </p:txBody>
       </p:sp>
@@ -629,11 +627,11 @@
           <a:lstStyle/>
           <a:p>
             <a:r>
-              <a:rPr lang="en-US" dirty="0" smtClean="0"/>
+              <a:rPr lang="en-US" dirty="0"/>
               <a:t>This is the outline for</a:t>
             </a:r>
             <a:r>
-              <a:rPr lang="en-US" baseline="0" dirty="0" smtClean="0"/>
+              <a:rPr lang="en-US" baseline="0" dirty="0"/>
               <a:t> today’s session</a:t>
             </a:r>
             <a:endParaRPr lang="en-US" dirty="0"/>
@@ -721,11 +719,11 @@
           <a:lstStyle/>
           <a:p>
             <a:r>
-              <a:rPr lang="en-US" dirty="0" smtClean="0"/>
+              <a:rPr lang="en-US" dirty="0"/>
               <a:t>Pop</a:t>
             </a:r>
             <a:r>
-              <a:rPr lang="en-US" baseline="0" dirty="0" smtClean="0"/>
+              <a:rPr lang="en-US" baseline="0" dirty="0"/>
               <a:t> up the Collaborate whiteboard</a:t>
             </a:r>
             <a:endParaRPr lang="en-US" dirty="0"/>
@@ -813,11 +811,11 @@
           <a:lstStyle/>
           <a:p>
             <a:r>
-              <a:rPr lang="en-US" dirty="0" smtClean="0"/>
+              <a:rPr lang="en-US" dirty="0"/>
               <a:t>In 2010, Steve</a:t>
             </a:r>
             <a:r>
-              <a:rPr lang="en-US" baseline="0" dirty="0" smtClean="0"/>
+              <a:rPr lang="en-US" baseline="0" dirty="0"/>
               <a:t> Jobs famously announced the beginning of the “post-PC era”.</a:t>
             </a:r>
             <a:endParaRPr lang="en-US" dirty="0"/>
@@ -905,11 +903,11 @@
           <a:lstStyle/>
           <a:p>
             <a:r>
-              <a:rPr lang="en-US" dirty="0" smtClean="0"/>
+              <a:rPr lang="en-US" dirty="0"/>
               <a:t>This is the outline for</a:t>
             </a:r>
             <a:r>
-              <a:rPr lang="en-US" baseline="0" dirty="0" smtClean="0"/>
+              <a:rPr lang="en-US" baseline="0" dirty="0"/>
               <a:t> today’s session</a:t>
             </a:r>
             <a:endParaRPr lang="en-US" dirty="0"/>
@@ -1165,11 +1163,11 @@
           <a:lstStyle/>
           <a:p>
             <a:r>
-              <a:rPr lang="en-US" dirty="0" smtClean="0"/>
+              <a:rPr lang="en-US" dirty="0"/>
               <a:t>This is the outline for</a:t>
             </a:r>
             <a:r>
-              <a:rPr lang="en-US" baseline="0" dirty="0" smtClean="0"/>
+              <a:rPr lang="en-US" baseline="0" dirty="0"/>
               <a:t> today’s session</a:t>
             </a:r>
             <a:endParaRPr lang="en-US" dirty="0"/>
@@ -1250,10 +1248,9 @@
           <a:lstStyle/>
           <a:p>
             <a:r>
-              <a:rPr lang="en-US" smtClean="0"/>
+              <a:rPr lang="en-US"/>
               <a:t>Click to edit Master title style</a:t>
             </a:r>
-            <a:endParaRPr lang="en-US"/>
           </a:p>
         </p:txBody>
       </p:sp>
@@ -1369,10 +1366,9 @@
           </a:lstStyle>
           <a:p>
             <a:r>
-              <a:rPr lang="en-US" smtClean="0"/>
+              <a:rPr lang="en-US"/>
               <a:t>Click to edit Master subtitle style</a:t>
             </a:r>
-            <a:endParaRPr lang="en-US"/>
           </a:p>
         </p:txBody>
       </p:sp>
@@ -1393,7 +1389,7 @@
           <a:p>
             <a:fld id="{12110144-19AD-4D4E-902D-E18AF93089D3}" type="datetimeFigureOut">
               <a:rPr lang="en-US" smtClean="0"/>
-              <a:t>1/8/18</a:t>
+              <a:t>9/24/18</a:t>
             </a:fld>
             <a:endParaRPr lang="en-US"/>
           </a:p>
@@ -1487,10 +1483,9 @@
           <a:lstStyle/>
           <a:p>
             <a:r>
-              <a:rPr lang="en-US" smtClean="0"/>
+              <a:rPr lang="en-US"/>
               <a:t>Click to edit Master title style</a:t>
             </a:r>
-            <a:endParaRPr lang="en-US"/>
           </a:p>
         </p:txBody>
       </p:sp>
@@ -1511,38 +1506,37 @@
           <a:p>
             <a:pPr lvl="0"/>
             <a:r>
-              <a:rPr lang="en-US" smtClean="0"/>
+              <a:rPr lang="en-US"/>
               <a:t>Click to edit Master text styles</a:t>
             </a:r>
           </a:p>
           <a:p>
             <a:pPr lvl="1"/>
             <a:r>
-              <a:rPr lang="en-US" smtClean="0"/>
+              <a:rPr lang="en-US"/>
               <a:t>Second level</a:t>
             </a:r>
           </a:p>
           <a:p>
             <a:pPr lvl="2"/>
             <a:r>
-              <a:rPr lang="en-US" smtClean="0"/>
+              <a:rPr lang="en-US"/>
               <a:t>Third level</a:t>
             </a:r>
           </a:p>
           <a:p>
             <a:pPr lvl="3"/>
             <a:r>
-              <a:rPr lang="en-US" smtClean="0"/>
+              <a:rPr lang="en-US"/>
               <a:t>Fourth level</a:t>
             </a:r>
           </a:p>
           <a:p>
             <a:pPr lvl="4"/>
             <a:r>
-              <a:rPr lang="en-US" smtClean="0"/>
+              <a:rPr lang="en-US"/>
               <a:t>Fifth level</a:t>
             </a:r>
-            <a:endParaRPr lang="en-US"/>
           </a:p>
         </p:txBody>
       </p:sp>
@@ -1563,7 +1557,7 @@
           <a:p>
             <a:fld id="{12110144-19AD-4D4E-902D-E18AF93089D3}" type="datetimeFigureOut">
               <a:rPr lang="en-US" smtClean="0"/>
-              <a:t>1/8/18</a:t>
+              <a:t>9/24/18</a:t>
             </a:fld>
             <a:endParaRPr lang="en-US"/>
           </a:p>
@@ -1662,10 +1656,9 @@
           <a:lstStyle/>
           <a:p>
             <a:r>
-              <a:rPr lang="en-US" smtClean="0"/>
+              <a:rPr lang="en-US"/>
               <a:t>Click to edit Master title style</a:t>
             </a:r>
-            <a:endParaRPr lang="en-US"/>
           </a:p>
         </p:txBody>
       </p:sp>
@@ -1691,38 +1684,37 @@
           <a:p>
             <a:pPr lvl="0"/>
             <a:r>
-              <a:rPr lang="en-US" smtClean="0"/>
+              <a:rPr lang="en-US"/>
               <a:t>Click to edit Master text styles</a:t>
             </a:r>
           </a:p>
           <a:p>
             <a:pPr lvl="1"/>
             <a:r>
-              <a:rPr lang="en-US" smtClean="0"/>
+              <a:rPr lang="en-US"/>
               <a:t>Second level</a:t>
             </a:r>
           </a:p>
           <a:p>
             <a:pPr lvl="2"/>
             <a:r>
-              <a:rPr lang="en-US" smtClean="0"/>
+              <a:rPr lang="en-US"/>
               <a:t>Third level</a:t>
             </a:r>
           </a:p>
           <a:p>
             <a:pPr lvl="3"/>
             <a:r>
-              <a:rPr lang="en-US" smtClean="0"/>
+              <a:rPr lang="en-US"/>
               <a:t>Fourth level</a:t>
             </a:r>
           </a:p>
           <a:p>
             <a:pPr lvl="4"/>
             <a:r>
-              <a:rPr lang="en-US" smtClean="0"/>
+              <a:rPr lang="en-US"/>
               <a:t>Fifth level</a:t>
             </a:r>
-            <a:endParaRPr lang="en-US"/>
           </a:p>
         </p:txBody>
       </p:sp>
@@ -1743,7 +1735,7 @@
           <a:p>
             <a:fld id="{12110144-19AD-4D4E-902D-E18AF93089D3}" type="datetimeFigureOut">
               <a:rPr lang="en-US" smtClean="0"/>
-              <a:t>1/8/18</a:t>
+              <a:t>9/24/18</a:t>
             </a:fld>
             <a:endParaRPr lang="en-US"/>
           </a:p>
@@ -1837,10 +1829,9 @@
           <a:lstStyle/>
           <a:p>
             <a:r>
-              <a:rPr lang="en-US" smtClean="0"/>
+              <a:rPr lang="en-US"/>
               <a:t>Click to edit Master title style</a:t>
             </a:r>
-            <a:endParaRPr lang="en-US"/>
           </a:p>
         </p:txBody>
       </p:sp>
@@ -1861,38 +1852,37 @@
           <a:p>
             <a:pPr lvl="0"/>
             <a:r>
-              <a:rPr lang="en-US" smtClean="0"/>
+              <a:rPr lang="en-US"/>
               <a:t>Click to edit Master text styles</a:t>
             </a:r>
           </a:p>
           <a:p>
             <a:pPr lvl="1"/>
             <a:r>
-              <a:rPr lang="en-US" smtClean="0"/>
+              <a:rPr lang="en-US"/>
               <a:t>Second level</a:t>
             </a:r>
           </a:p>
           <a:p>
             <a:pPr lvl="2"/>
             <a:r>
-              <a:rPr lang="en-US" smtClean="0"/>
+              <a:rPr lang="en-US"/>
               <a:t>Third level</a:t>
             </a:r>
           </a:p>
           <a:p>
             <a:pPr lvl="3"/>
             <a:r>
-              <a:rPr lang="en-US" smtClean="0"/>
+              <a:rPr lang="en-US"/>
               <a:t>Fourth level</a:t>
             </a:r>
           </a:p>
           <a:p>
             <a:pPr lvl="4"/>
             <a:r>
-              <a:rPr lang="en-US" smtClean="0"/>
+              <a:rPr lang="en-US"/>
               <a:t>Fifth level</a:t>
             </a:r>
-            <a:endParaRPr lang="en-US"/>
           </a:p>
         </p:txBody>
       </p:sp>
@@ -1913,7 +1903,7 @@
           <a:p>
             <a:fld id="{12110144-19AD-4D4E-902D-E18AF93089D3}" type="datetimeFigureOut">
               <a:rPr lang="en-US" smtClean="0"/>
-              <a:t>1/8/18</a:t>
+              <a:t>9/24/18</a:t>
             </a:fld>
             <a:endParaRPr lang="en-US"/>
           </a:p>
@@ -2016,10 +2006,9 @@
           </a:lstStyle>
           <a:p>
             <a:r>
-              <a:rPr lang="en-US" smtClean="0"/>
+              <a:rPr lang="en-US"/>
               <a:t>Click to edit Master title style</a:t>
             </a:r>
-            <a:endParaRPr lang="en-US"/>
           </a:p>
         </p:txBody>
       </p:sp>
@@ -2136,7 +2125,7 @@
           <a:p>
             <a:pPr lvl="0"/>
             <a:r>
-              <a:rPr lang="en-US" smtClean="0"/>
+              <a:rPr lang="en-US"/>
               <a:t>Click to edit Master text styles</a:t>
             </a:r>
           </a:p>
@@ -2159,7 +2148,7 @@
           <a:p>
             <a:fld id="{12110144-19AD-4D4E-902D-E18AF93089D3}" type="datetimeFigureOut">
               <a:rPr lang="en-US" smtClean="0"/>
-              <a:t>1/8/18</a:t>
+              <a:t>9/24/18</a:t>
             </a:fld>
             <a:endParaRPr lang="en-US"/>
           </a:p>
@@ -2253,10 +2242,9 @@
           <a:lstStyle/>
           <a:p>
             <a:r>
-              <a:rPr lang="en-US" smtClean="0"/>
+              <a:rPr lang="en-US"/>
               <a:t>Click to edit Master title style</a:t>
             </a:r>
-            <a:endParaRPr lang="en-US"/>
           </a:p>
         </p:txBody>
       </p:sp>
@@ -2310,38 +2298,37 @@
           <a:p>
             <a:pPr lvl="0"/>
             <a:r>
-              <a:rPr lang="en-US" smtClean="0"/>
+              <a:rPr lang="en-US"/>
               <a:t>Click to edit Master text styles</a:t>
             </a:r>
           </a:p>
           <a:p>
             <a:pPr lvl="1"/>
             <a:r>
-              <a:rPr lang="en-US" smtClean="0"/>
+              <a:rPr lang="en-US"/>
               <a:t>Second level</a:t>
             </a:r>
           </a:p>
           <a:p>
             <a:pPr lvl="2"/>
             <a:r>
-              <a:rPr lang="en-US" smtClean="0"/>
+              <a:rPr lang="en-US"/>
               <a:t>Third level</a:t>
             </a:r>
           </a:p>
           <a:p>
             <a:pPr lvl="3"/>
             <a:r>
-              <a:rPr lang="en-US" smtClean="0"/>
+              <a:rPr lang="en-US"/>
               <a:t>Fourth level</a:t>
             </a:r>
           </a:p>
           <a:p>
             <a:pPr lvl="4"/>
             <a:r>
-              <a:rPr lang="en-US" smtClean="0"/>
+              <a:rPr lang="en-US"/>
               <a:t>Fifth level</a:t>
             </a:r>
-            <a:endParaRPr lang="en-US"/>
           </a:p>
         </p:txBody>
       </p:sp>
@@ -2395,38 +2382,37 @@
           <a:p>
             <a:pPr lvl="0"/>
             <a:r>
-              <a:rPr lang="en-US" smtClean="0"/>
+              <a:rPr lang="en-US"/>
               <a:t>Click to edit Master text styles</a:t>
             </a:r>
           </a:p>
           <a:p>
             <a:pPr lvl="1"/>
             <a:r>
-              <a:rPr lang="en-US" smtClean="0"/>
+              <a:rPr lang="en-US"/>
               <a:t>Second level</a:t>
             </a:r>
           </a:p>
           <a:p>
             <a:pPr lvl="2"/>
             <a:r>
-              <a:rPr lang="en-US" smtClean="0"/>
+              <a:rPr lang="en-US"/>
               <a:t>Third level</a:t>
             </a:r>
           </a:p>
           <a:p>
             <a:pPr lvl="3"/>
             <a:r>
-              <a:rPr lang="en-US" smtClean="0"/>
+              <a:rPr lang="en-US"/>
               <a:t>Fourth level</a:t>
             </a:r>
           </a:p>
           <a:p>
             <a:pPr lvl="4"/>
             <a:r>
-              <a:rPr lang="en-US" smtClean="0"/>
+              <a:rPr lang="en-US"/>
               <a:t>Fifth level</a:t>
             </a:r>
-            <a:endParaRPr lang="en-US"/>
           </a:p>
         </p:txBody>
       </p:sp>
@@ -2447,7 +2433,7 @@
           <a:p>
             <a:fld id="{12110144-19AD-4D4E-902D-E18AF93089D3}" type="datetimeFigureOut">
               <a:rPr lang="en-US" smtClean="0"/>
-              <a:t>1/8/18</a:t>
+              <a:t>9/24/18</a:t>
             </a:fld>
             <a:endParaRPr lang="en-US"/>
           </a:p>
@@ -2545,10 +2531,9 @@
           </a:lstStyle>
           <a:p>
             <a:r>
-              <a:rPr lang="en-US" smtClean="0"/>
+              <a:rPr lang="en-US"/>
               <a:t>Click to edit Master title style</a:t>
             </a:r>
-            <a:endParaRPr lang="en-US"/>
           </a:p>
         </p:txBody>
       </p:sp>
@@ -2611,7 +2596,7 @@
           <a:p>
             <a:pPr lvl="0"/>
             <a:r>
-              <a:rPr lang="en-US" smtClean="0"/>
+              <a:rPr lang="en-US"/>
               <a:t>Click to edit Master text styles</a:t>
             </a:r>
           </a:p>
@@ -2667,38 +2652,37 @@
           <a:p>
             <a:pPr lvl="0"/>
             <a:r>
-              <a:rPr lang="en-US" smtClean="0"/>
+              <a:rPr lang="en-US"/>
               <a:t>Click to edit Master text styles</a:t>
             </a:r>
           </a:p>
           <a:p>
             <a:pPr lvl="1"/>
             <a:r>
-              <a:rPr lang="en-US" smtClean="0"/>
+              <a:rPr lang="en-US"/>
               <a:t>Second level</a:t>
             </a:r>
           </a:p>
           <a:p>
             <a:pPr lvl="2"/>
             <a:r>
-              <a:rPr lang="en-US" smtClean="0"/>
+              <a:rPr lang="en-US"/>
               <a:t>Third level</a:t>
             </a:r>
           </a:p>
           <a:p>
             <a:pPr lvl="3"/>
             <a:r>
-              <a:rPr lang="en-US" smtClean="0"/>
+              <a:rPr lang="en-US"/>
               <a:t>Fourth level</a:t>
             </a:r>
           </a:p>
           <a:p>
             <a:pPr lvl="4"/>
             <a:r>
-              <a:rPr lang="en-US" smtClean="0"/>
+              <a:rPr lang="en-US"/>
               <a:t>Fifth level</a:t>
             </a:r>
-            <a:endParaRPr lang="en-US"/>
           </a:p>
         </p:txBody>
       </p:sp>
@@ -2761,7 +2745,7 @@
           <a:p>
             <a:pPr lvl="0"/>
             <a:r>
-              <a:rPr lang="en-US" smtClean="0"/>
+              <a:rPr lang="en-US"/>
               <a:t>Click to edit Master text styles</a:t>
             </a:r>
           </a:p>
@@ -2817,38 +2801,37 @@
           <a:p>
             <a:pPr lvl="0"/>
             <a:r>
-              <a:rPr lang="en-US" smtClean="0"/>
+              <a:rPr lang="en-US"/>
               <a:t>Click to edit Master text styles</a:t>
             </a:r>
           </a:p>
           <a:p>
             <a:pPr lvl="1"/>
             <a:r>
-              <a:rPr lang="en-US" smtClean="0"/>
+              <a:rPr lang="en-US"/>
               <a:t>Second level</a:t>
             </a:r>
           </a:p>
           <a:p>
             <a:pPr lvl="2"/>
             <a:r>
-              <a:rPr lang="en-US" smtClean="0"/>
+              <a:rPr lang="en-US"/>
               <a:t>Third level</a:t>
             </a:r>
           </a:p>
           <a:p>
             <a:pPr lvl="3"/>
             <a:r>
-              <a:rPr lang="en-US" smtClean="0"/>
+              <a:rPr lang="en-US"/>
               <a:t>Fourth level</a:t>
             </a:r>
           </a:p>
           <a:p>
             <a:pPr lvl="4"/>
             <a:r>
-              <a:rPr lang="en-US" smtClean="0"/>
+              <a:rPr lang="en-US"/>
               <a:t>Fifth level</a:t>
             </a:r>
-            <a:endParaRPr lang="en-US"/>
           </a:p>
         </p:txBody>
       </p:sp>
@@ -2869,7 +2852,7 @@
           <a:p>
             <a:fld id="{12110144-19AD-4D4E-902D-E18AF93089D3}" type="datetimeFigureOut">
               <a:rPr lang="en-US" smtClean="0"/>
-              <a:t>1/8/18</a:t>
+              <a:t>9/24/18</a:t>
             </a:fld>
             <a:endParaRPr lang="en-US"/>
           </a:p>
@@ -2963,10 +2946,9 @@
           <a:lstStyle/>
           <a:p>
             <a:r>
-              <a:rPr lang="en-US" smtClean="0"/>
+              <a:rPr lang="en-US"/>
               <a:t>Click to edit Master title style</a:t>
             </a:r>
-            <a:endParaRPr lang="en-US"/>
           </a:p>
         </p:txBody>
       </p:sp>
@@ -2987,7 +2969,7 @@
           <a:p>
             <a:fld id="{12110144-19AD-4D4E-902D-E18AF93089D3}" type="datetimeFigureOut">
               <a:rPr lang="en-US" smtClean="0"/>
-              <a:t>1/8/18</a:t>
+              <a:t>9/24/18</a:t>
             </a:fld>
             <a:endParaRPr lang="en-US"/>
           </a:p>
@@ -3082,7 +3064,7 @@
           <a:p>
             <a:fld id="{12110144-19AD-4D4E-902D-E18AF93089D3}" type="datetimeFigureOut">
               <a:rPr lang="en-US" smtClean="0"/>
-              <a:t>1/8/18</a:t>
+              <a:t>9/24/18</a:t>
             </a:fld>
             <a:endParaRPr lang="en-US"/>
           </a:p>
@@ -3185,10 +3167,9 @@
           </a:lstStyle>
           <a:p>
             <a:r>
-              <a:rPr lang="en-US" smtClean="0"/>
+              <a:rPr lang="en-US"/>
               <a:t>Click to edit Master title style</a:t>
             </a:r>
-            <a:endParaRPr lang="en-US"/>
           </a:p>
         </p:txBody>
       </p:sp>
@@ -3242,38 +3223,37 @@
           <a:p>
             <a:pPr lvl="0"/>
             <a:r>
-              <a:rPr lang="en-US" smtClean="0"/>
+              <a:rPr lang="en-US"/>
               <a:t>Click to edit Master text styles</a:t>
             </a:r>
           </a:p>
           <a:p>
             <a:pPr lvl="1"/>
             <a:r>
-              <a:rPr lang="en-US" smtClean="0"/>
+              <a:rPr lang="en-US"/>
               <a:t>Second level</a:t>
             </a:r>
           </a:p>
           <a:p>
             <a:pPr lvl="2"/>
             <a:r>
-              <a:rPr lang="en-US" smtClean="0"/>
+              <a:rPr lang="en-US"/>
               <a:t>Third level</a:t>
             </a:r>
           </a:p>
           <a:p>
             <a:pPr lvl="3"/>
             <a:r>
-              <a:rPr lang="en-US" smtClean="0"/>
+              <a:rPr lang="en-US"/>
               <a:t>Fourth level</a:t>
             </a:r>
           </a:p>
           <a:p>
             <a:pPr lvl="4"/>
             <a:r>
-              <a:rPr lang="en-US" smtClean="0"/>
+              <a:rPr lang="en-US"/>
               <a:t>Fifth level</a:t>
             </a:r>
-            <a:endParaRPr lang="en-US"/>
           </a:p>
         </p:txBody>
       </p:sp>
@@ -3336,7 +3316,7 @@
           <a:p>
             <a:pPr lvl="0"/>
             <a:r>
-              <a:rPr lang="en-US" smtClean="0"/>
+              <a:rPr lang="en-US"/>
               <a:t>Click to edit Master text styles</a:t>
             </a:r>
           </a:p>
@@ -3359,7 +3339,7 @@
           <a:p>
             <a:fld id="{12110144-19AD-4D4E-902D-E18AF93089D3}" type="datetimeFigureOut">
               <a:rPr lang="en-US" smtClean="0"/>
-              <a:t>1/8/18</a:t>
+              <a:t>9/24/18</a:t>
             </a:fld>
             <a:endParaRPr lang="en-US"/>
           </a:p>
@@ -3462,10 +3442,9 @@
           </a:lstStyle>
           <a:p>
             <a:r>
-              <a:rPr lang="en-US" smtClean="0"/>
+              <a:rPr lang="en-US"/>
               <a:t>Click to edit Master title style</a:t>
             </a:r>
-            <a:endParaRPr lang="en-US"/>
           </a:p>
         </p:txBody>
       </p:sp>
@@ -3589,7 +3568,7 @@
           <a:p>
             <a:pPr lvl="0"/>
             <a:r>
-              <a:rPr lang="en-US" smtClean="0"/>
+              <a:rPr lang="en-US"/>
               <a:t>Click to edit Master text styles</a:t>
             </a:r>
           </a:p>
@@ -3612,7 +3591,7 @@
           <a:p>
             <a:fld id="{12110144-19AD-4D4E-902D-E18AF93089D3}" type="datetimeFigureOut">
               <a:rPr lang="en-US" smtClean="0"/>
-              <a:t>1/8/18</a:t>
+              <a:t>9/24/18</a:t>
             </a:fld>
             <a:endParaRPr lang="en-US"/>
           </a:p>
@@ -3721,10 +3700,9 @@
           <a:lstStyle/>
           <a:p>
             <a:r>
-              <a:rPr lang="en-US" smtClean="0"/>
+              <a:rPr lang="en-US"/>
               <a:t>Click to edit Master title style</a:t>
             </a:r>
-            <a:endParaRPr lang="en-US"/>
           </a:p>
         </p:txBody>
       </p:sp>
@@ -3755,38 +3733,37 @@
           <a:p>
             <a:pPr lvl="0"/>
             <a:r>
-              <a:rPr lang="en-US" smtClean="0"/>
+              <a:rPr lang="en-US"/>
               <a:t>Click to edit Master text styles</a:t>
             </a:r>
           </a:p>
           <a:p>
             <a:pPr lvl="1"/>
             <a:r>
-              <a:rPr lang="en-US" smtClean="0"/>
+              <a:rPr lang="en-US"/>
               <a:t>Second level</a:t>
             </a:r>
           </a:p>
           <a:p>
             <a:pPr lvl="2"/>
             <a:r>
-              <a:rPr lang="en-US" smtClean="0"/>
+              <a:rPr lang="en-US"/>
               <a:t>Third level</a:t>
             </a:r>
           </a:p>
           <a:p>
             <a:pPr lvl="3"/>
             <a:r>
-              <a:rPr lang="en-US" smtClean="0"/>
+              <a:rPr lang="en-US"/>
               <a:t>Fourth level</a:t>
             </a:r>
           </a:p>
           <a:p>
             <a:pPr lvl="4"/>
             <a:r>
-              <a:rPr lang="en-US" smtClean="0"/>
+              <a:rPr lang="en-US"/>
               <a:t>Fifth level</a:t>
             </a:r>
-            <a:endParaRPr lang="en-US"/>
           </a:p>
         </p:txBody>
       </p:sp>
@@ -3825,7 +3802,7 @@
           <a:p>
             <a:fld id="{12110144-19AD-4D4E-902D-E18AF93089D3}" type="datetimeFigureOut">
               <a:rPr lang="en-US" smtClean="0"/>
-              <a:t>1/8/18</a:t>
+              <a:t>9/24/18</a:t>
             </a:fld>
             <a:endParaRPr lang="en-US"/>
           </a:p>
@@ -4236,10 +4213,9 @@
           <a:lstStyle/>
           <a:p>
             <a:r>
-              <a:rPr lang="en-US" sz="6600" dirty="0" smtClean="0"/>
+              <a:rPr lang="en-US" sz="6600" dirty="0"/>
               <a:t>Mobile Application Development: Android</a:t>
             </a:r>
-            <a:endParaRPr lang="en-US" sz="6600" dirty="0"/>
           </a:p>
         </p:txBody>
       </p:sp>
@@ -4266,18 +4242,13 @@
           <a:lstStyle/>
           <a:p>
             <a:r>
-              <a:rPr lang="en-US" sz="4400" dirty="0" smtClean="0">
+              <a:rPr lang="en-US" sz="4400" dirty="0">
                 <a:solidFill>
                   <a:schemeClr val="tx1"/>
                 </a:solidFill>
               </a:rPr>
               <a:t>CS235AM</a:t>
             </a:r>
-            <a:endParaRPr lang="en-US" sz="4400" dirty="0">
-              <a:solidFill>
-                <a:schemeClr val="tx1"/>
-              </a:solidFill>
-            </a:endParaRPr>
           </a:p>
         </p:txBody>
       </p:sp>
@@ -4353,21 +4324,8 @@
           <a:p>
             <a:r>
               <a:rPr lang="en-US" dirty="0"/>
-              <a:t>Why learn </a:t>
-            </a:r>
-            <a:r>
-              <a:rPr lang="en-US" dirty="0" smtClean="0"/>
-              <a:t>mobile </a:t>
-            </a:r>
-            <a:r>
-              <a:rPr lang="en-US" dirty="0"/>
-              <a:t>app development</a:t>
-            </a:r>
-            <a:r>
-              <a:rPr lang="en-US" dirty="0" smtClean="0"/>
-              <a:t>?</a:t>
-            </a:r>
-            <a:endParaRPr lang="en-US" dirty="0"/>
+              <a:t>Why learn mobile app development?</a:t>
+            </a:r>
           </a:p>
         </p:txBody>
       </p:sp>
@@ -4391,25 +4349,21 @@
             </a:pPr>
             <a:r>
               <a:rPr lang="en-US" dirty="0"/>
-              <a:t>2. It’s fun and </a:t>
-            </a:r>
-            <a:r>
-              <a:rPr lang="en-US" dirty="0" smtClean="0"/>
-              <a:t>interesting</a:t>
+              <a:t>2. It’s fun and interesting</a:t>
             </a:r>
           </a:p>
           <a:p>
             <a:pPr marL="0" indent="0">
               <a:buNone/>
             </a:pPr>
-            <a:endParaRPr lang="en-US" dirty="0" smtClean="0"/>
+            <a:endParaRPr lang="en-US" dirty="0"/>
           </a:p>
           <a:p>
             <a:pPr marL="0" indent="0">
               <a:buNone/>
             </a:pPr>
             <a:r>
-              <a:rPr lang="en-US" dirty="0" smtClean="0"/>
+              <a:rPr lang="en-US" dirty="0"/>
               <a:t>What is fun and interesting about it to you?</a:t>
             </a:r>
           </a:p>
@@ -4425,13 +4379,6 @@
   <p:clrMapOvr>
     <a:masterClrMapping/>
   </p:clrMapOvr>
-  <p:timing>
-    <p:tnLst>
-      <p:par>
-        <p:cTn id="1" dur="indefinite" restart="never" nodeType="tmRoot"/>
-      </p:par>
-    </p:tnLst>
-  </p:timing>
 </p:sld>
 </file>
 
@@ -4494,28 +4441,15 @@
           <a:p>
             <a:r>
               <a:rPr lang="en-US" dirty="0"/>
-              <a:t>Why learn </a:t>
-            </a:r>
-            <a:r>
-              <a:rPr lang="en-US" dirty="0" smtClean="0"/>
-              <a:t>mobile </a:t>
-            </a:r>
-            <a:r>
+              <a:t>Why learn mobile app development?</a:t>
+            </a:r>
+            <a:br>
               <a:rPr lang="en-US" dirty="0"/>
-              <a:t>app development</a:t>
-            </a:r>
-            <a:r>
-              <a:rPr lang="en-US" dirty="0" smtClean="0"/>
-              <a:t>?</a:t>
-            </a:r>
-            <a:br>
-              <a:rPr lang="en-US" dirty="0" smtClean="0"/>
             </a:br>
             <a:r>
-              <a:rPr lang="en-US" dirty="0" smtClean="0"/>
+              <a:rPr lang="en-US" dirty="0"/>
               <a:t>2. It’s fun and interesting</a:t>
             </a:r>
-            <a:endParaRPr lang="en-US" dirty="0"/>
           </a:p>
         </p:txBody>
       </p:sp>
@@ -4535,19 +4469,19 @@
           <a:lstStyle/>
           <a:p>
             <a:r>
-              <a:rPr lang="en-US" dirty="0" smtClean="0"/>
+              <a:rPr lang="en-US" dirty="0"/>
               <a:t>Mobile apps are more “personal”. They go with you everywhere</a:t>
             </a:r>
           </a:p>
           <a:p>
             <a:r>
-              <a:rPr lang="en-US" dirty="0" smtClean="0"/>
+              <a:rPr lang="en-US" dirty="0"/>
               <a:t>Mobile devices have interesting sensors: geolocation, temperature, accelerometers, touch, etc.</a:t>
             </a:r>
           </a:p>
           <a:p>
             <a:r>
-              <a:rPr lang="en-US" dirty="0" smtClean="0"/>
+              <a:rPr lang="en-US" dirty="0"/>
               <a:t>Mobile phone apps can incorporate communication features</a:t>
             </a:r>
           </a:p>
@@ -4563,13 +4497,6 @@
   <p:clrMapOvr>
     <a:masterClrMapping/>
   </p:clrMapOvr>
-  <p:timing>
-    <p:tnLst>
-      <p:par>
-        <p:cTn id="1" dur="indefinite" restart="never" nodeType="tmRoot"/>
-      </p:par>
-    </p:tnLst>
-  </p:timing>
 </p:sld>
 </file>
 
@@ -4655,20 +4582,20 @@
             <a:pPr marL="0" indent="0">
               <a:buNone/>
             </a:pPr>
-            <a:endParaRPr lang="en-US" dirty="0" smtClean="0"/>
+            <a:endParaRPr lang="en-US" dirty="0"/>
           </a:p>
           <a:p>
             <a:pPr marL="0" indent="0">
               <a:buNone/>
             </a:pPr>
-            <a:endParaRPr lang="en-US" dirty="0" smtClean="0"/>
+            <a:endParaRPr lang="en-US" dirty="0"/>
           </a:p>
           <a:p>
             <a:pPr marL="0" indent="0" algn="ctr">
               <a:buNone/>
             </a:pPr>
             <a:r>
-              <a:rPr lang="en-US" dirty="0" smtClean="0"/>
+              <a:rPr lang="en-US" dirty="0"/>
               <a:t>What differences can you think of?</a:t>
             </a:r>
           </a:p>
@@ -4745,10 +4672,9 @@
           <a:lstStyle/>
           <a:p>
             <a:r>
-              <a:rPr lang="en-US" dirty="0" smtClean="0"/>
+              <a:rPr lang="en-US" dirty="0"/>
               <a:t>Differences between desktop and mobile development</a:t>
             </a:r>
-            <a:endParaRPr lang="en-US" dirty="0"/>
           </a:p>
         </p:txBody>
       </p:sp>
@@ -4771,7 +4697,7 @@
           <a:p>
             <a:pPr lvl="2"/>
             <a:r>
-              <a:rPr lang="en-US" dirty="0" smtClean="0">
+              <a:rPr lang="en-US" dirty="0">
                 <a:effectLst/>
               </a:rPr>
               <a:t>Low power devices require apps that use less memory and processor power.</a:t>
@@ -4780,7 +4706,7 @@
           <a:p>
             <a:pPr lvl="2"/>
             <a:r>
-              <a:rPr lang="en-US" dirty="0" smtClean="0">
+              <a:rPr lang="en-US" dirty="0">
                 <a:effectLst/>
               </a:rPr>
               <a:t>Small screens and a wide variety of form factors and screen rotation require flexible UI designs</a:t>
@@ -4789,31 +4715,31 @@
           <a:p>
             <a:pPr lvl="2"/>
             <a:r>
-              <a:rPr lang="en-US" dirty="0" smtClean="0">
+              <a:rPr lang="en-US" dirty="0">
                 <a:effectLst/>
               </a:rPr>
               <a:t>Lack of true multi-tasking requires different app lifecycle management (</a:t>
             </a:r>
             <a:r>
-              <a:rPr lang="en-US" dirty="0" smtClean="0"/>
+              <a:rPr lang="en-US" dirty="0"/>
               <a:t>prior to Android 5.0 </a:t>
             </a:r>
             <a:r>
-              <a:rPr lang="mr-IN" dirty="0" smtClean="0"/>
+              <a:rPr lang="mr-IN" dirty="0"/>
               <a:t>–</a:t>
             </a:r>
             <a:r>
-              <a:rPr lang="en-US" smtClean="0"/>
+              <a:rPr lang="en-US"/>
               <a:t> Lollypop)</a:t>
             </a:r>
-            <a:endParaRPr lang="en-US" dirty="0" smtClean="0">
+            <a:endParaRPr lang="en-US" dirty="0">
               <a:effectLst/>
             </a:endParaRPr>
           </a:p>
           <a:p>
             <a:pPr lvl="2"/>
             <a:r>
-              <a:rPr lang="en-US" dirty="0" smtClean="0">
+              <a:rPr lang="en-US" dirty="0">
                 <a:effectLst/>
               </a:rPr>
               <a:t>A wide variety of sensors can be used by the app.</a:t>
@@ -4822,7 +4748,7 @@
           <a:p>
             <a:pPr lvl="2"/>
             <a:r>
-              <a:rPr lang="en-US" dirty="0" smtClean="0">
+              <a:rPr lang="en-US" dirty="0">
                 <a:effectLst/>
               </a:rPr>
               <a:t>Connectivity to the internet is not always assured- apps need to handle intermittent connectivity.</a:t>
@@ -4831,7 +4757,7 @@
           <a:p>
             <a:pPr lvl="2"/>
             <a:r>
-              <a:rPr lang="en-US" dirty="0" smtClean="0">
+              <a:rPr lang="en-US" dirty="0">
                 <a:effectLst/>
               </a:rPr>
               <a:t>Users have higher expectations for responsiveness of the UI.</a:t>
@@ -4918,7 +4844,7 @@
               </a:spcBef>
             </a:pPr>
             <a:r>
-              <a:rPr lang="en-US" sz="3600" dirty="0" smtClean="0">
+              <a:rPr lang="en-US" sz="3600" dirty="0">
                 <a:effectLst/>
               </a:rPr>
               <a:t>Development environments</a:t>
@@ -4944,7 +4870,7 @@
           <a:p>
             <a:pPr lvl="2"/>
             <a:r>
-              <a:rPr lang="en-US" dirty="0" smtClean="0">
+              <a:rPr lang="en-US" dirty="0">
                 <a:effectLst/>
               </a:rPr>
               <a:t>iOS: Objective C or Swift using X-Code</a:t>
@@ -4953,19 +4879,19 @@
           <a:p>
             <a:pPr lvl="2"/>
             <a:r>
-              <a:rPr lang="en-US" dirty="0" smtClean="0">
+              <a:rPr lang="en-US" dirty="0">
                 <a:effectLst/>
               </a:rPr>
               <a:t>Android: Java using Eclipse or Android Studio (</a:t>
             </a:r>
             <a:r>
-              <a:rPr lang="en-US" dirty="0" err="1" smtClean="0">
+              <a:rPr lang="en-US" dirty="0" err="1">
                 <a:effectLst/>
               </a:rPr>
               <a:t>intelliJ</a:t>
             </a:r>
             <a:r>
-              <a:rPr lang="en-US" dirty="0" smtClean="0">
+              <a:rPr lang="en-US" dirty="0">
                 <a:effectLst/>
               </a:rPr>
               <a:t>)</a:t>
@@ -4974,28 +4900,38 @@
           <a:p>
             <a:pPr lvl="2"/>
             <a:r>
-              <a:rPr lang="en-US" dirty="0" smtClean="0">
+              <a:rPr lang="en-US" dirty="0"/>
+              <a:t>Cross-platform (Android and iOS) using Flutter and the Dart programming language</a:t>
+            </a:r>
+            <a:endParaRPr lang="en-US" dirty="0">
+              <a:effectLst/>
+            </a:endParaRPr>
+          </a:p>
+          <a:p>
+            <a:pPr lvl="2"/>
+            <a:r>
+              <a:rPr lang="en-US" dirty="0">
                 <a:effectLst/>
               </a:rPr>
-              <a:t>Cross-platform using HTML5 &amp; JavaScript: Apache Cordova (Phone-gap, etc.), React Native, Iconic</a:t>
+              <a:t>Cross-platform using HTML5 &amp; JavaScript: Apache Cordova (Phone-gap, etc.), React Native, Ionic</a:t>
             </a:r>
           </a:p>
           <a:p>
             <a:pPr lvl="2"/>
             <a:r>
-              <a:rPr lang="en-US" dirty="0" smtClean="0">
+              <a:rPr lang="en-US" dirty="0">
                 <a:effectLst/>
               </a:rPr>
               <a:t>Cross-platform native code: </a:t>
             </a:r>
             <a:r>
-              <a:rPr lang="en-US" dirty="0" err="1" smtClean="0">
+              <a:rPr lang="en-US" dirty="0" err="1">
                 <a:effectLst/>
               </a:rPr>
               <a:t>Xamarin</a:t>
             </a:r>
             <a:r>
-              <a:rPr lang="en-US" dirty="0" smtClean="0">
+              <a:rPr lang="en-US" dirty="0">
                 <a:effectLst/>
               </a:rPr>
               <a:t>. All code except the UI is portable across Windows, Linux, Mac, iOS, and Android</a:t>
@@ -5073,10 +5009,9 @@
           <a:lstStyle/>
           <a:p>
             <a:r>
-              <a:rPr lang="en-US" dirty="0" smtClean="0"/>
+              <a:rPr lang="en-US" dirty="0"/>
               <a:t>Syllabus</a:t>
             </a:r>
-            <a:endParaRPr lang="en-US" dirty="0"/>
           </a:p>
         </p:txBody>
       </p:sp>
@@ -5099,12 +5034,12 @@
               <a:buNone/>
             </a:pPr>
             <a:r>
-              <a:rPr lang="en-US" dirty="0" smtClean="0"/>
+              <a:rPr lang="en-US" dirty="0"/>
               <a:t>Let’s look at the syllabus together on Moodle</a:t>
             </a:r>
           </a:p>
           <a:p>
-            <a:endParaRPr lang="en-US" dirty="0" smtClean="0"/>
+            <a:endParaRPr lang="en-US" dirty="0"/>
           </a:p>
           <a:p>
             <a:pPr marL="0" indent="0">
@@ -5185,10 +5120,9 @@
           <a:lstStyle/>
           <a:p>
             <a:r>
-              <a:rPr lang="en-US" dirty="0" smtClean="0"/>
+              <a:rPr lang="en-US" dirty="0"/>
               <a:t>Certificate in Mobile Application Development</a:t>
             </a:r>
-            <a:endParaRPr lang="en-US" dirty="0"/>
           </a:p>
         </p:txBody>
       </p:sp>
@@ -5213,70 +5147,70 @@
               <a:buNone/>
             </a:pPr>
             <a:r>
-              <a:rPr lang="en-US" sz="3800" dirty="0" smtClean="0"/>
+              <a:rPr lang="en-US" sz="3800" dirty="0"/>
               <a:t>LCC offers a Career Pathway Certificate in Mobile App Development which requires:	</a:t>
             </a:r>
           </a:p>
           <a:p>
             <a:r>
-              <a:rPr lang="en-US" sz="3800" dirty="0" smtClean="0"/>
+              <a:rPr lang="en-US" sz="3800" dirty="0"/>
               <a:t>Two terms of a programming language:</a:t>
             </a:r>
           </a:p>
           <a:p>
             <a:pPr lvl="1"/>
             <a:r>
-              <a:rPr lang="en-US" sz="3200" dirty="0" smtClean="0"/>
+              <a:rPr lang="en-US" sz="3200" dirty="0"/>
               <a:t>Beginning and Intermediate C# (CS 133N &amp; 233N)</a:t>
             </a:r>
           </a:p>
           <a:p>
             <a:pPr lvl="1"/>
             <a:r>
-              <a:rPr lang="en-US" sz="3200" dirty="0" smtClean="0"/>
+              <a:rPr lang="en-US" sz="3200" dirty="0"/>
               <a:t>Beginning and Intermediate Java (CS 161J &amp; 162J)</a:t>
             </a:r>
           </a:p>
           <a:p>
             <a:pPr lvl="1"/>
             <a:r>
-              <a:rPr lang="en-US" sz="3200" dirty="0" smtClean="0"/>
+              <a:rPr lang="en-US" sz="3200" dirty="0"/>
               <a:t>Beginning and Intermediate C++ (CS 161C+ &amp; 162C+)</a:t>
             </a:r>
           </a:p>
           <a:p>
             <a:r>
-              <a:rPr lang="en-US" sz="3800" dirty="0" smtClean="0"/>
+              <a:rPr lang="en-US" sz="3800" dirty="0"/>
               <a:t>Intermediate Mobile App </a:t>
             </a:r>
             <a:r>
-              <a:rPr lang="en-US" sz="3800" dirty="0" err="1" smtClean="0"/>
+              <a:rPr lang="en-US" sz="3800" dirty="0" err="1"/>
               <a:t>Dev</a:t>
             </a:r>
             <a:r>
-              <a:rPr lang="en-US" sz="3800" dirty="0" smtClean="0"/>
+              <a:rPr lang="en-US" sz="3800" dirty="0"/>
               <a:t>: </a:t>
             </a:r>
             <a:r>
-              <a:rPr lang="en-US" sz="3800" dirty="0" err="1" smtClean="0"/>
+              <a:rPr lang="en-US" sz="3800" dirty="0" err="1"/>
               <a:t>iOS</a:t>
             </a:r>
             <a:r>
-              <a:rPr lang="en-US" sz="3800" dirty="0" smtClean="0"/>
+              <a:rPr lang="en-US" sz="3800" dirty="0"/>
               <a:t> (CS 235IM)</a:t>
             </a:r>
           </a:p>
           <a:p>
             <a:r>
-              <a:rPr lang="en-US" sz="3800" dirty="0" smtClean="0"/>
+              <a:rPr lang="en-US" sz="3800" dirty="0"/>
               <a:t>Intermediate Mobile App </a:t>
             </a:r>
             <a:r>
-              <a:rPr lang="en-US" sz="3800" dirty="0" err="1" smtClean="0"/>
+              <a:rPr lang="en-US" sz="3800" dirty="0" err="1"/>
               <a:t>Dev</a:t>
             </a:r>
             <a:r>
-              <a:rPr lang="en-US" sz="3800" dirty="0" smtClean="0"/>
+              <a:rPr lang="en-US" sz="3800" dirty="0"/>
               <a:t>: Android (CS 235AM)</a:t>
             </a:r>
           </a:p>
@@ -5291,24 +5225,14 @@
               <a:buNone/>
             </a:pPr>
             <a:r>
-              <a:rPr lang="en-US" sz="2300" dirty="0" smtClean="0"/>
-              <a:t>Career Pathways web </a:t>
-            </a:r>
-            <a:r>
               <a:rPr lang="en-US" sz="2300" dirty="0"/>
-              <a:t>page: </a:t>
-            </a:r>
-            <a:r>
-              <a:rPr lang="en-US" sz="2300" dirty="0" smtClean="0">
-                <a:hlinkClick r:id="rId2"/>
-              </a:rPr>
-              <a:t>http</a:t>
+              <a:t>Career Pathways web page: </a:t>
             </a:r>
             <a:r>
               <a:rPr lang="en-US" sz="2300" dirty="0">
                 <a:hlinkClick r:id="rId2"/>
               </a:rPr>
-              <a:t>://</a:t>
+              <a:t>http://</a:t>
             </a:r>
             <a:r>
               <a:rPr lang="en-US" sz="2300" dirty="0" err="1">
@@ -5415,10 +5339,9 @@
           <a:lstStyle/>
           <a:p>
             <a:r>
-              <a:rPr lang="en-US" dirty="0" smtClean="0"/>
+              <a:rPr lang="en-US" dirty="0"/>
               <a:t>Degree Elective Requirements</a:t>
             </a:r>
-            <a:endParaRPr lang="en-US" dirty="0"/>
           </a:p>
         </p:txBody>
       </p:sp>
@@ -5443,30 +5366,30 @@
               <a:buNone/>
             </a:pPr>
             <a:r>
-              <a:rPr lang="en-US" sz="3800" dirty="0" smtClean="0"/>
+              <a:rPr lang="en-US" sz="3800" dirty="0"/>
               <a:t>This course (CS235AM) satisfies a </a:t>
             </a:r>
             <a:r>
-              <a:rPr lang="en-US" sz="3600" dirty="0" smtClean="0"/>
+              <a:rPr lang="en-US" sz="3600" dirty="0"/>
               <a:t>directed </a:t>
             </a:r>
             <a:r>
-              <a:rPr lang="en-US" sz="3800" dirty="0" smtClean="0"/>
+              <a:rPr lang="en-US" sz="3800" dirty="0"/>
               <a:t>elective requirement for following degrees:	</a:t>
             </a:r>
           </a:p>
           <a:p>
             <a:r>
-              <a:rPr lang="en-US" sz="3800" dirty="0" smtClean="0"/>
+              <a:rPr lang="en-US" sz="3800" dirty="0"/>
               <a:t>Computer Programming</a:t>
             </a:r>
           </a:p>
           <a:p>
             <a:r>
-              <a:rPr lang="en-US" sz="3800" dirty="0" smtClean="0"/>
+              <a:rPr lang="en-US" sz="3800" dirty="0"/>
               <a:t>Computer Simulation and Game Development?</a:t>
             </a:r>
-            <a:endParaRPr lang="en-US" sz="3200" dirty="0" smtClean="0"/>
+            <a:endParaRPr lang="en-US" sz="3200" dirty="0"/>
           </a:p>
         </p:txBody>
       </p:sp>
@@ -5546,10 +5469,9 @@
           <a:lstStyle/>
           <a:p>
             <a:r>
-              <a:rPr lang="en-US" dirty="0" smtClean="0"/>
+              <a:rPr lang="en-US" dirty="0"/>
               <a:t>Android Versions</a:t>
             </a:r>
-            <a:endParaRPr lang="en-US" dirty="0"/>
           </a:p>
         </p:txBody>
       </p:sp>
@@ -5566,12 +5488,12 @@
         <p:spPr>
           <a:xfrm>
             <a:off x="457200" y="1417639"/>
-            <a:ext cx="8229600" cy="1797050"/>
+            <a:ext cx="8229600" cy="1520770"/>
           </a:xfrm>
         </p:spPr>
         <p:txBody>
           <a:bodyPr>
-            <a:normAutofit lnSpcReduction="10000"/>
+            <a:normAutofit/>
           </a:bodyPr>
           <a:lstStyle/>
           <a:p>
@@ -5579,141 +5501,42 @@
               <a:buNone/>
             </a:pPr>
             <a:r>
-              <a:rPr lang="en-US" sz="3800" dirty="0" smtClean="0"/>
-              <a:t>Android Versions are named after deserts. The latest version is Oreo</a:t>
-            </a:r>
-          </a:p>
-          <a:p>
-            <a:pPr marL="0" indent="0">
-              <a:buNone/>
-            </a:pPr>
-            <a:r>
-              <a:rPr lang="en-US" dirty="0" smtClean="0"/>
-              <a:t>New Features introduced in Oreo:</a:t>
-            </a:r>
-          </a:p>
-          <a:p>
-            <a:pPr lvl="1"/>
-            <a:endParaRPr lang="en-US" sz="2800" dirty="0" smtClean="0"/>
+              <a:rPr lang="en-US" sz="3800" dirty="0"/>
+              <a:t>Android Versions are named after deserts. The latest version is Pie.</a:t>
+            </a:r>
           </a:p>
         </p:txBody>
       </p:sp>
       <p:pic>
         <p:nvPicPr>
-          <p:cNvPr id="4" name="Picture 3"/>
+          <p:cNvPr id="6" name="Picture 5">
+            <a:extLst>
+              <a:ext uri="{FF2B5EF4-FFF2-40B4-BE49-F238E27FC236}">
+                <a16:creationId xmlns:a16="http://schemas.microsoft.com/office/drawing/2014/main" id="{2AD94B04-799A-864C-B265-EE14BF84C998}"/>
+              </a:ext>
+            </a:extLst>
+          </p:cNvPr>
           <p:cNvPicPr>
             <a:picLocks noChangeAspect="1"/>
           </p:cNvPicPr>
           <p:nvPr/>
         </p:nvPicPr>
         <p:blipFill>
-          <a:blip r:embed="rId2">
-            <a:extLst>
-              <a:ext uri="{28A0092B-C50C-407E-A947-70E740481C1C}">
-                <a14:useLocalDpi xmlns:a14="http://schemas.microsoft.com/office/drawing/2010/main" val="0"/>
-              </a:ext>
-            </a:extLst>
-          </a:blip>
+          <a:blip r:embed="rId2"/>
           <a:stretch>
             <a:fillRect/>
           </a:stretch>
         </p:blipFill>
         <p:spPr>
           <a:xfrm>
-            <a:off x="139849" y="4223396"/>
-            <a:ext cx="1600648" cy="2465169"/>
+            <a:off x="1772960" y="3072945"/>
+            <a:ext cx="4838700" cy="2819400"/>
           </a:xfrm>
           <a:prstGeom prst="rect">
             <a:avLst/>
           </a:prstGeom>
         </p:spPr>
       </p:pic>
-      <p:sp>
-        <p:nvSpPr>
-          <p:cNvPr id="7" name="TextBox 6"/>
-          <p:cNvSpPr txBox="1"/>
-          <p:nvPr/>
-        </p:nvSpPr>
-        <p:spPr>
-          <a:xfrm>
-            <a:off x="2214563" y="3214689"/>
-            <a:ext cx="6472237" cy="2677656"/>
-          </a:xfrm>
-          <a:prstGeom prst="rect">
-            <a:avLst/>
-          </a:prstGeom>
-          <a:noFill/>
-        </p:spPr>
-        <p:txBody>
-          <a:bodyPr wrap="square" rtlCol="0">
-            <a:spAutoFit/>
-          </a:bodyPr>
-          <a:lstStyle/>
-          <a:p>
-            <a:pPr marL="285750" indent="-285750">
-              <a:buFont typeface="Arial" charset="0"/>
-              <a:buChar char="•"/>
-            </a:pPr>
-            <a:r>
-              <a:rPr lang="en-US" sz="2800" dirty="0" smtClean="0"/>
-              <a:t>Picture-in-a picture </a:t>
-            </a:r>
-            <a:r>
-              <a:rPr lang="mr-IN" sz="2800" dirty="0" smtClean="0"/>
-              <a:t>–</a:t>
-            </a:r>
-            <a:r>
-              <a:rPr lang="en-US" sz="2800" dirty="0" smtClean="0"/>
-              <a:t> a small version of a video is show while using other apps</a:t>
-            </a:r>
-          </a:p>
-          <a:p>
-            <a:pPr marL="285750" indent="-285750">
-              <a:buFont typeface="Arial" charset="0"/>
-              <a:buChar char="•"/>
-            </a:pPr>
-            <a:r>
-              <a:rPr lang="en-US" sz="2800" dirty="0" smtClean="0"/>
-              <a:t>Notification dots on icons</a:t>
-            </a:r>
-          </a:p>
-          <a:p>
-            <a:pPr marL="285750" indent="-285750">
-              <a:buFont typeface="Arial" charset="0"/>
-              <a:buChar char="•"/>
-            </a:pPr>
-            <a:r>
-              <a:rPr lang="en-US" sz="2800" dirty="0" smtClean="0"/>
-              <a:t>Improved security</a:t>
-            </a:r>
-          </a:p>
-          <a:p>
-            <a:pPr marL="285750" indent="-285750">
-              <a:buFont typeface="Arial" charset="0"/>
-              <a:buChar char="•"/>
-            </a:pPr>
-            <a:r>
-              <a:rPr lang="en-US" sz="2800" dirty="0" smtClean="0"/>
-              <a:t>New Emojis</a:t>
-            </a:r>
-          </a:p>
-          <a:p>
-            <a:pPr marL="285750" indent="-285750">
-              <a:buFont typeface="Arial" charset="0"/>
-              <a:buChar char="•"/>
-            </a:pPr>
-            <a:r>
-              <a:rPr lang="en-US" sz="2800" dirty="0"/>
-              <a:t>U</a:t>
-            </a:r>
-            <a:r>
-              <a:rPr lang="en-US" sz="2800" dirty="0" smtClean="0"/>
-              <a:t>X (User eXperience) enhancements</a:t>
-            </a:r>
-            <a:endParaRPr lang="en-US" sz="2800" dirty="0"/>
-          </a:p>
-        </p:txBody>
-      </p:sp>
     </p:spTree>
     <p:extLst>
       <p:ext uri="{BB962C8B-B14F-4D97-AF65-F5344CB8AC3E}">
@@ -5790,10 +5613,9 @@
           <a:lstStyle/>
           <a:p>
             <a:r>
-              <a:rPr lang="en-US" dirty="0" smtClean="0"/>
+              <a:rPr lang="en-US" dirty="0"/>
               <a:t>Android Versions and API Levels</a:t>
             </a:r>
-            <a:endParaRPr lang="en-US" dirty="0"/>
           </a:p>
         </p:txBody>
       </p:sp>
@@ -5823,9 +5645,28 @@
               <a:buNone/>
             </a:pPr>
             <a:r>
-              <a:rPr lang="en-US" sz="5900" dirty="0" smtClean="0"/>
+              <a:rPr lang="en-US" sz="5900" dirty="0"/>
               <a:t>There are version names, numbers and API levels</a:t>
             </a:r>
+          </a:p>
+          <a:p>
+            <a:r>
+              <a:rPr lang="en-US" sz="5100" b="1" dirty="0"/>
+              <a:t>API28 (Android 9.0) </a:t>
+            </a:r>
+            <a:r>
+              <a:rPr lang="en-US" sz="5100" dirty="0"/>
+              <a:t>– </a:t>
+            </a:r>
+            <a:r>
+              <a:rPr lang="en-US" sz="5100" i="1" dirty="0"/>
+              <a:t>Pie</a:t>
+            </a:r>
+            <a:r>
+              <a:rPr lang="en-US" sz="5100" dirty="0"/>
+              <a:t>, released August 2018</a:t>
+            </a:r>
+            <a:endParaRPr lang="en-US" sz="5100" b="1" dirty="0"/>
           </a:p>
           <a:p>
             <a:r>
@@ -5844,16 +5685,11 @@
               <a:rPr lang="en-US" sz="5100" dirty="0"/>
               <a:t>, released December 2017. </a:t>
             </a:r>
-            <a:endParaRPr lang="en-US" sz="5100" dirty="0" smtClean="0"/>
-          </a:p>
-          <a:p>
-            <a:r>
-              <a:rPr lang="en-US" sz="5100" b="1" dirty="0" smtClean="0"/>
-              <a:t>API </a:t>
-            </a:r>
+          </a:p>
+          <a:p>
             <a:r>
               <a:rPr lang="en-US" sz="5100" b="1" dirty="0"/>
-              <a:t>26 (Android 8.0)</a:t>
+              <a:t>API 26 (Android 8.0)</a:t>
             </a:r>
             <a:r>
               <a:rPr lang="en-US" sz="5100" dirty="0"/>
@@ -5867,16 +5703,11 @@
               <a:rPr lang="en-US" sz="5100" dirty="0"/>
               <a:t>, released August 2017. </a:t>
             </a:r>
-            <a:endParaRPr lang="en-US" sz="5100" dirty="0" smtClean="0"/>
-          </a:p>
-          <a:p>
-            <a:r>
-              <a:rPr lang="en-US" sz="5100" b="1" dirty="0" smtClean="0"/>
-              <a:t>API </a:t>
-            </a:r>
+          </a:p>
+          <a:p>
             <a:r>
               <a:rPr lang="en-US" sz="5100" b="1" dirty="0"/>
-              <a:t>25 (Android 7.1)</a:t>
+              <a:t>API 25 (Android 7.1)</a:t>
             </a:r>
             <a:r>
               <a:rPr lang="en-US" sz="5100" dirty="0"/>
@@ -5890,16 +5721,11 @@
               <a:rPr lang="en-US" sz="5100" dirty="0"/>
               <a:t>, released December 2016. </a:t>
             </a:r>
-            <a:endParaRPr lang="en-US" sz="5100" dirty="0" smtClean="0"/>
-          </a:p>
-          <a:p>
-            <a:r>
-              <a:rPr lang="en-US" sz="5100" b="1" dirty="0" smtClean="0"/>
-              <a:t>API </a:t>
-            </a:r>
+          </a:p>
+          <a:p>
             <a:r>
               <a:rPr lang="en-US" sz="5100" b="1" dirty="0"/>
-              <a:t>24 (Android 7.0)</a:t>
+              <a:t>API 24 (Android 7.0)</a:t>
             </a:r>
             <a:r>
               <a:rPr lang="en-US" sz="5100" dirty="0"/>
@@ -5913,16 +5739,11 @@
               <a:rPr lang="en-US" sz="5100" dirty="0"/>
               <a:t>, released August 2016. </a:t>
             </a:r>
-            <a:endParaRPr lang="en-US" sz="5100" dirty="0" smtClean="0"/>
-          </a:p>
-          <a:p>
-            <a:r>
-              <a:rPr lang="en-US" sz="5100" b="1" dirty="0" smtClean="0"/>
-              <a:t>API </a:t>
-            </a:r>
+          </a:p>
+          <a:p>
             <a:r>
               <a:rPr lang="en-US" sz="5100" b="1" dirty="0"/>
-              <a:t>23 (Android 6.0)</a:t>
+              <a:t>API 23 (Android 6.0)</a:t>
             </a:r>
             <a:r>
               <a:rPr lang="en-US" sz="5100" dirty="0"/>
@@ -5936,16 +5757,11 @@
               <a:rPr lang="en-US" sz="5100" dirty="0"/>
               <a:t>, released August 2015. </a:t>
             </a:r>
-            <a:endParaRPr lang="en-US" sz="5100" dirty="0" smtClean="0"/>
-          </a:p>
-          <a:p>
-            <a:r>
-              <a:rPr lang="en-US" sz="5100" b="1" dirty="0" smtClean="0"/>
-              <a:t>API </a:t>
-            </a:r>
+          </a:p>
+          <a:p>
             <a:r>
               <a:rPr lang="en-US" sz="5100" b="1" dirty="0"/>
-              <a:t>22 (Android 5.1)</a:t>
+              <a:t>API 22 (Android 5.1)</a:t>
             </a:r>
             <a:r>
               <a:rPr lang="en-US" sz="5100" dirty="0"/>
@@ -5959,16 +5775,11 @@
               <a:rPr lang="en-US" sz="5100" dirty="0"/>
               <a:t>, released March 2015. </a:t>
             </a:r>
-            <a:endParaRPr lang="en-US" sz="5100" dirty="0" smtClean="0"/>
-          </a:p>
-          <a:p>
-            <a:r>
-              <a:rPr lang="en-US" sz="5100" b="1" dirty="0" smtClean="0"/>
-              <a:t>API </a:t>
-            </a:r>
+          </a:p>
+          <a:p>
             <a:r>
               <a:rPr lang="en-US" sz="5100" b="1" dirty="0"/>
-              <a:t>21 (Android 5.0)</a:t>
+              <a:t>API 21 (Android 5.0)</a:t>
             </a:r>
             <a:r>
               <a:rPr lang="en-US" sz="5100" dirty="0"/>
@@ -5982,16 +5793,11 @@
               <a:rPr lang="en-US" sz="5100" dirty="0"/>
               <a:t>, released November 2014. </a:t>
             </a:r>
-            <a:endParaRPr lang="en-US" sz="5100" dirty="0" smtClean="0"/>
-          </a:p>
-          <a:p>
-            <a:r>
-              <a:rPr lang="en-US" sz="5100" b="1" dirty="0" smtClean="0"/>
-              <a:t>API </a:t>
-            </a:r>
+          </a:p>
+          <a:p>
             <a:r>
               <a:rPr lang="en-US" sz="5100" b="1" dirty="0"/>
-              <a:t>20 (Android 4.4W)</a:t>
+              <a:t>API 20 (Android 4.4W)</a:t>
             </a:r>
             <a:r>
               <a:rPr lang="en-US" sz="5100" dirty="0"/>
@@ -6005,16 +5811,11 @@
               <a:rPr lang="en-US" sz="5100" dirty="0"/>
               <a:t>, released June 2014. </a:t>
             </a:r>
-            <a:endParaRPr lang="en-US" sz="5100" dirty="0" smtClean="0"/>
-          </a:p>
-          <a:p>
-            <a:r>
-              <a:rPr lang="en-US" sz="5100" b="1" dirty="0" smtClean="0"/>
-              <a:t>API </a:t>
-            </a:r>
+          </a:p>
+          <a:p>
             <a:r>
               <a:rPr lang="en-US" sz="5100" b="1" dirty="0"/>
-              <a:t>19 (Android 4.4)</a:t>
+              <a:t>API 19 (Android 4.4)</a:t>
             </a:r>
             <a:r>
               <a:rPr lang="en-US" sz="5100" dirty="0"/>
@@ -6028,7 +5829,6 @@
               <a:rPr lang="en-US" sz="5100" dirty="0"/>
               <a:t>, released October 2013. </a:t>
             </a:r>
-            <a:endParaRPr lang="en-US" sz="5100" dirty="0" smtClean="0"/>
           </a:p>
           <a:p>
             <a:pPr marL="0" indent="0">
@@ -6042,15 +5842,9 @@
               <a:rPr lang="en-US" sz="3800" dirty="0">
                 <a:hlinkClick r:id="rId2"/>
               </a:rPr>
-              <a:t>https://developer.xamarin.com/guides/android/application_fundamentals/understanding_android_api_levels</a:t>
-            </a:r>
-            <a:r>
-              <a:rPr lang="en-US" sz="3800" dirty="0" smtClean="0">
-                <a:hlinkClick r:id="rId2"/>
-              </a:rPr>
-              <a:t>/</a:t>
-            </a:r>
-            <a:endParaRPr lang="en-US" sz="3800" dirty="0" smtClean="0"/>
+              <a:t>https://developer.xamarin.com/guides/android/application_fundamentals/understanding_android_api_levels/</a:t>
+            </a:r>
+            <a:endParaRPr lang="en-US" sz="3800" dirty="0"/>
           </a:p>
         </p:txBody>
       </p:sp>
@@ -6123,10 +5917,9 @@
           <a:lstStyle/>
           <a:p>
             <a:r>
-              <a:rPr lang="en-US" dirty="0" smtClean="0"/>
+              <a:rPr lang="en-US" dirty="0"/>
               <a:t>Course Overview</a:t>
             </a:r>
-            <a:endParaRPr lang="en-US" dirty="0"/>
           </a:p>
         </p:txBody>
       </p:sp>
@@ -6156,8 +5949,20 @@
                 <a:tableStyleId>{5C22544A-7EE6-4342-B048-85BDC9FD1C3A}</a:tableStyleId>
               </a:tblPr>
               <a:tblGrid>
-                <a:gridCol w="511701"/>
-                <a:gridCol w="3299499"/>
+                <a:gridCol w="511701">
+                  <a:extLst>
+                    <a:ext uri="{9D8B030D-6E8A-4147-A177-3AD203B41FA5}">
+                      <a16:colId xmlns:a16="http://schemas.microsoft.com/office/drawing/2014/main" val="20000"/>
+                    </a:ext>
+                  </a:extLst>
+                </a:gridCol>
+                <a:gridCol w="3299499">
+                  <a:extLst>
+                    <a:ext uri="{9D8B030D-6E8A-4147-A177-3AD203B41FA5}">
+                      <a16:colId xmlns:a16="http://schemas.microsoft.com/office/drawing/2014/main" val="20001"/>
+                    </a:ext>
+                  </a:extLst>
+                </a:gridCol>
               </a:tblGrid>
               <a:tr h="428284">
                 <a:tc>
@@ -6166,10 +5971,9 @@
                     <a:lstStyle/>
                     <a:p>
                       <a:r>
-                        <a:rPr lang="en-US" dirty="0" smtClean="0"/>
+                        <a:rPr lang="en-US" dirty="0"/>
                         <a:t>Wk</a:t>
                       </a:r>
-                      <a:endParaRPr lang="en-US" dirty="0"/>
                     </a:p>
                   </a:txBody>
                   <a:tcPr/>
@@ -6180,14 +5984,18 @@
                     <a:lstStyle/>
                     <a:p>
                       <a:r>
-                        <a:rPr lang="en-US" dirty="0" smtClean="0"/>
+                        <a:rPr lang="en-US" dirty="0"/>
                         <a:t>Topic</a:t>
                       </a:r>
-                      <a:endParaRPr lang="en-US" dirty="0"/>
                     </a:p>
                   </a:txBody>
                   <a:tcPr/>
                 </a:tc>
+                <a:extLst>
+                  <a:ext uri="{0D108BD9-81ED-4DB2-BD59-A6C34878D82A}">
+                    <a16:rowId xmlns:a16="http://schemas.microsoft.com/office/drawing/2014/main" val="10000"/>
+                  </a:ext>
+                </a:extLst>
               </a:tr>
               <a:tr h="428284">
                 <a:tc>
@@ -6196,10 +6004,9 @@
                     <a:lstStyle/>
                     <a:p>
                       <a:r>
-                        <a:rPr lang="en-US" sz="2800" dirty="0" smtClean="0"/>
+                        <a:rPr lang="en-US" sz="2800" dirty="0"/>
                         <a:t>1</a:t>
                       </a:r>
-                      <a:endParaRPr lang="en-US" sz="2800" dirty="0"/>
                     </a:p>
                   </a:txBody>
                   <a:tcPr/>
@@ -6227,21 +6034,26 @@
                         <a:defRPr/>
                       </a:pPr>
                       <a:r>
-                        <a:rPr lang="en-US" sz="2800" dirty="0" smtClean="0"/>
+                        <a:rPr lang="en-US" sz="2800" dirty="0"/>
                         <a:t>Intro</a:t>
                       </a:r>
                       <a:r>
-                        <a:rPr lang="en-US" sz="2800" baseline="0" dirty="0" smtClean="0"/>
+                        <a:rPr lang="en-US" sz="2800" baseline="0" dirty="0"/>
                         <a:t> +</a:t>
                       </a:r>
                       <a:r>
-                        <a:rPr lang="en-US" sz="2800" dirty="0" smtClean="0"/>
+                        <a:rPr lang="en-US" sz="2800" dirty="0"/>
                         <a:t> single-screen apps</a:t>
                       </a:r>
                     </a:p>
                   </a:txBody>
                   <a:tcPr/>
                 </a:tc>
+                <a:extLst>
+                  <a:ext uri="{0D108BD9-81ED-4DB2-BD59-A6C34878D82A}">
+                    <a16:rowId xmlns:a16="http://schemas.microsoft.com/office/drawing/2014/main" val="10001"/>
+                  </a:ext>
+                </a:extLst>
               </a:tr>
               <a:tr h="428284">
                 <a:tc>
@@ -6250,10 +6062,9 @@
                     <a:lstStyle/>
                     <a:p>
                       <a:r>
-                        <a:rPr lang="en-US" sz="2800" dirty="0" smtClean="0"/>
+                        <a:rPr lang="en-US" sz="2800" dirty="0"/>
                         <a:t>2</a:t>
                       </a:r>
-                      <a:endParaRPr lang="en-US" sz="2800" dirty="0"/>
                     </a:p>
                   </a:txBody>
                   <a:tcPr/>
@@ -6281,13 +6092,18 @@
                         <a:defRPr/>
                       </a:pPr>
                       <a:r>
-                        <a:rPr lang="en-US" sz="2800" dirty="0" smtClean="0"/>
+                        <a:rPr lang="en-US" sz="2800" dirty="0"/>
                         <a:t>Multi-screen apps + activity state</a:t>
                       </a:r>
                     </a:p>
                   </a:txBody>
                   <a:tcPr/>
                 </a:tc>
+                <a:extLst>
+                  <a:ext uri="{0D108BD9-81ED-4DB2-BD59-A6C34878D82A}">
+                    <a16:rowId xmlns:a16="http://schemas.microsoft.com/office/drawing/2014/main" val="10002"/>
+                  </a:ext>
+                </a:extLst>
               </a:tr>
               <a:tr h="428284">
                 <a:tc>
@@ -6296,10 +6112,9 @@
                     <a:lstStyle/>
                     <a:p>
                       <a:r>
-                        <a:rPr lang="en-US" sz="2800" dirty="0" smtClean="0"/>
+                        <a:rPr lang="en-US" sz="2800" dirty="0"/>
                         <a:t>3</a:t>
                       </a:r>
-                      <a:endParaRPr lang="en-US" sz="2800" dirty="0"/>
                     </a:p>
                   </a:txBody>
                   <a:tcPr/>
@@ -6327,18 +6142,23 @@
                         <a:defRPr/>
                       </a:pPr>
                       <a:r>
-                        <a:rPr lang="en-US" sz="2800" dirty="0" smtClean="0"/>
+                        <a:rPr lang="en-US" sz="2800" dirty="0"/>
                         <a:t>List</a:t>
                       </a:r>
                       <a:r>
-                        <a:rPr lang="en-US" sz="2800" baseline="0" dirty="0" smtClean="0"/>
+                        <a:rPr lang="en-US" sz="2800" baseline="0" dirty="0"/>
                         <a:t> Views</a:t>
                       </a:r>
-                      <a:endParaRPr lang="en-US" sz="2800" dirty="0" smtClean="0"/>
+                      <a:endParaRPr lang="en-US" sz="2800" dirty="0"/>
                     </a:p>
                   </a:txBody>
                   <a:tcPr/>
                 </a:tc>
+                <a:extLst>
+                  <a:ext uri="{0D108BD9-81ED-4DB2-BD59-A6C34878D82A}">
+                    <a16:rowId xmlns:a16="http://schemas.microsoft.com/office/drawing/2014/main" val="10003"/>
+                  </a:ext>
+                </a:extLst>
               </a:tr>
               <a:tr h="428284">
                 <a:tc>
@@ -6347,10 +6167,9 @@
                     <a:lstStyle/>
                     <a:p>
                       <a:r>
-                        <a:rPr lang="en-US" sz="2800" dirty="0" smtClean="0"/>
+                        <a:rPr lang="en-US" sz="2800" dirty="0"/>
                         <a:t>4</a:t>
                       </a:r>
-                      <a:endParaRPr lang="en-US" sz="2800" dirty="0"/>
                     </a:p>
                   </a:txBody>
                   <a:tcPr/>
@@ -6378,13 +6197,18 @@
                         <a:defRPr/>
                       </a:pPr>
                       <a:r>
-                        <a:rPr lang="en-US" sz="2800" dirty="0" smtClean="0"/>
+                        <a:rPr lang="en-US" sz="2800" dirty="0"/>
                         <a:t>Navigation with the ActionBar</a:t>
                       </a:r>
                     </a:p>
                   </a:txBody>
                   <a:tcPr/>
                 </a:tc>
+                <a:extLst>
+                  <a:ext uri="{0D108BD9-81ED-4DB2-BD59-A6C34878D82A}">
+                    <a16:rowId xmlns:a16="http://schemas.microsoft.com/office/drawing/2014/main" val="10004"/>
+                  </a:ext>
+                </a:extLst>
               </a:tr>
               <a:tr h="428284">
                 <a:tc>
@@ -6393,10 +6217,9 @@
                     <a:lstStyle/>
                     <a:p>
                       <a:r>
-                        <a:rPr lang="en-US" sz="2800" dirty="0" smtClean="0"/>
+                        <a:rPr lang="en-US" sz="2800" dirty="0"/>
                         <a:t>5</a:t>
                       </a:r>
-                      <a:endParaRPr lang="en-US" sz="2800" dirty="0"/>
                     </a:p>
                   </a:txBody>
                   <a:tcPr/>
@@ -6424,21 +6247,26 @@
                         <a:defRPr/>
                       </a:pPr>
                       <a:r>
-                        <a:rPr lang="en-US" sz="2800" dirty="0" smtClean="0"/>
+                        <a:rPr lang="en-US" sz="2800" dirty="0"/>
                         <a:t>App</a:t>
                       </a:r>
                       <a:r>
-                        <a:rPr lang="en-US" sz="2800" baseline="0" dirty="0" smtClean="0"/>
+                        <a:rPr lang="en-US" sz="2800" baseline="0" dirty="0"/>
                         <a:t> </a:t>
                       </a:r>
                       <a:r>
-                        <a:rPr lang="en-US" sz="2800" dirty="0" smtClean="0"/>
+                        <a:rPr lang="en-US" sz="2800" dirty="0"/>
                         <a:t>Menus</a:t>
                       </a:r>
                     </a:p>
                   </a:txBody>
                   <a:tcPr/>
                 </a:tc>
+                <a:extLst>
+                  <a:ext uri="{0D108BD9-81ED-4DB2-BD59-A6C34878D82A}">
+                    <a16:rowId xmlns:a16="http://schemas.microsoft.com/office/drawing/2014/main" val="10005"/>
+                  </a:ext>
+                </a:extLst>
               </a:tr>
             </a:tbl>
           </a:graphicData>
@@ -6470,8 +6298,20 @@
                 <a:tableStyleId>{5C22544A-7EE6-4342-B048-85BDC9FD1C3A}</a:tableStyleId>
               </a:tblPr>
               <a:tblGrid>
-                <a:gridCol w="589196"/>
-                <a:gridCol w="3685178"/>
+                <a:gridCol w="589196">
+                  <a:extLst>
+                    <a:ext uri="{9D8B030D-6E8A-4147-A177-3AD203B41FA5}">
+                      <a16:colId xmlns:a16="http://schemas.microsoft.com/office/drawing/2014/main" val="20000"/>
+                    </a:ext>
+                  </a:extLst>
+                </a:gridCol>
+                <a:gridCol w="3685178">
+                  <a:extLst>
+                    <a:ext uri="{9D8B030D-6E8A-4147-A177-3AD203B41FA5}">
+                      <a16:colId xmlns:a16="http://schemas.microsoft.com/office/drawing/2014/main" val="20001"/>
+                    </a:ext>
+                  </a:extLst>
+                </a:gridCol>
               </a:tblGrid>
               <a:tr h="375862">
                 <a:tc>
@@ -6480,10 +6320,9 @@
                     <a:lstStyle/>
                     <a:p>
                       <a:r>
-                        <a:rPr lang="en-US" dirty="0" smtClean="0"/>
+                        <a:rPr lang="en-US" dirty="0"/>
                         <a:t>Wk</a:t>
                       </a:r>
-                      <a:endParaRPr lang="en-US" dirty="0"/>
                     </a:p>
                   </a:txBody>
                   <a:tcPr/>
@@ -6494,14 +6333,18 @@
                     <a:lstStyle/>
                     <a:p>
                       <a:r>
-                        <a:rPr lang="en-US" dirty="0" smtClean="0"/>
+                        <a:rPr lang="en-US" dirty="0"/>
                         <a:t>Topic</a:t>
                       </a:r>
-                      <a:endParaRPr lang="en-US" dirty="0"/>
                     </a:p>
                   </a:txBody>
                   <a:tcPr/>
                 </a:tc>
+                <a:extLst>
+                  <a:ext uri="{0D108BD9-81ED-4DB2-BD59-A6C34878D82A}">
+                    <a16:rowId xmlns:a16="http://schemas.microsoft.com/office/drawing/2014/main" val="10000"/>
+                  </a:ext>
+                </a:extLst>
               </a:tr>
               <a:tr h="957676">
                 <a:tc>
@@ -6510,10 +6353,9 @@
                     <a:lstStyle/>
                     <a:p>
                       <a:r>
-                        <a:rPr lang="en-US" sz="2800" dirty="0" smtClean="0"/>
+                        <a:rPr lang="en-US" sz="2800" dirty="0"/>
                         <a:t>6</a:t>
                       </a:r>
-                      <a:endParaRPr lang="en-US" sz="2800" dirty="0"/>
                     </a:p>
                   </a:txBody>
                   <a:tcPr/>
@@ -6541,13 +6383,18 @@
                         <a:defRPr/>
                       </a:pPr>
                       <a:r>
-                        <a:rPr lang="en-US" sz="2800" dirty="0" smtClean="0"/>
+                        <a:rPr lang="en-US" sz="2800" dirty="0"/>
                         <a:t>Adapting to size and orientation: Fragments</a:t>
                       </a:r>
                     </a:p>
                   </a:txBody>
                   <a:tcPr/>
                 </a:tc>
+                <a:extLst>
+                  <a:ext uri="{0D108BD9-81ED-4DB2-BD59-A6C34878D82A}">
+                    <a16:rowId xmlns:a16="http://schemas.microsoft.com/office/drawing/2014/main" val="10001"/>
+                  </a:ext>
+                </a:extLst>
               </a:tr>
               <a:tr h="525177">
                 <a:tc>
@@ -6556,10 +6403,9 @@
                     <a:lstStyle/>
                     <a:p>
                       <a:r>
-                        <a:rPr lang="en-US" sz="2800" dirty="0" smtClean="0"/>
+                        <a:rPr lang="en-US" sz="2800" dirty="0"/>
                         <a:t>7</a:t>
                       </a:r>
-                      <a:endParaRPr lang="en-US" sz="2800" dirty="0"/>
                     </a:p>
                   </a:txBody>
                   <a:tcPr/>
@@ -6587,13 +6433,18 @@
                         <a:defRPr/>
                       </a:pPr>
                       <a:r>
-                        <a:rPr lang="en-US" sz="2800" dirty="0" smtClean="0"/>
+                        <a:rPr lang="en-US" sz="2800" dirty="0"/>
                         <a:t>Managing Data: SQLite</a:t>
                       </a:r>
                     </a:p>
                   </a:txBody>
                   <a:tcPr/>
                 </a:tc>
+                <a:extLst>
+                  <a:ext uri="{0D108BD9-81ED-4DB2-BD59-A6C34878D82A}">
+                    <a16:rowId xmlns:a16="http://schemas.microsoft.com/office/drawing/2014/main" val="10002"/>
+                  </a:ext>
+                </a:extLst>
               </a:tr>
               <a:tr h="957676">
                 <a:tc>
@@ -6602,10 +6453,9 @@
                     <a:lstStyle/>
                     <a:p>
                       <a:r>
-                        <a:rPr lang="en-US" sz="2800" dirty="0" smtClean="0"/>
+                        <a:rPr lang="en-US" sz="2800" dirty="0"/>
                         <a:t>8</a:t>
                       </a:r>
-                      <a:endParaRPr lang="en-US" sz="2800" dirty="0"/>
                     </a:p>
                   </a:txBody>
                   <a:tcPr/>
@@ -6633,13 +6483,18 @@
                         <a:defRPr/>
                       </a:pPr>
                       <a:r>
-                        <a:rPr lang="en-US" sz="2800" dirty="0" smtClean="0"/>
+                        <a:rPr lang="en-US" sz="2800" dirty="0"/>
                         <a:t>Consuming Web Services</a:t>
                       </a:r>
                     </a:p>
                   </a:txBody>
                   <a:tcPr/>
                 </a:tc>
+                <a:extLst>
+                  <a:ext uri="{0D108BD9-81ED-4DB2-BD59-A6C34878D82A}">
+                    <a16:rowId xmlns:a16="http://schemas.microsoft.com/office/drawing/2014/main" val="10003"/>
+                  </a:ext>
+                </a:extLst>
               </a:tr>
               <a:tr h="525177">
                 <a:tc>
@@ -6648,10 +6503,9 @@
                     <a:lstStyle/>
                     <a:p>
                       <a:r>
-                        <a:rPr lang="en-US" sz="2800" dirty="0" smtClean="0"/>
+                        <a:rPr lang="en-US" sz="2800" dirty="0"/>
                         <a:t>9</a:t>
                       </a:r>
-                      <a:endParaRPr lang="en-US" sz="2800" dirty="0"/>
                     </a:p>
                   </a:txBody>
                   <a:tcPr/>
@@ -6679,13 +6533,18 @@
                         <a:defRPr/>
                       </a:pPr>
                       <a:r>
-                        <a:rPr lang="en-US" sz="2800" dirty="0" smtClean="0"/>
+                        <a:rPr lang="en-US" sz="2800" dirty="0"/>
                         <a:t>Geolocation</a:t>
                       </a:r>
                     </a:p>
                   </a:txBody>
                   <a:tcPr/>
                 </a:tc>
+                <a:extLst>
+                  <a:ext uri="{0D108BD9-81ED-4DB2-BD59-A6C34878D82A}">
+                    <a16:rowId xmlns:a16="http://schemas.microsoft.com/office/drawing/2014/main" val="10004"/>
+                  </a:ext>
+                </a:extLst>
               </a:tr>
               <a:tr h="957676">
                 <a:tc>
@@ -6694,10 +6553,9 @@
                     <a:lstStyle/>
                     <a:p>
                       <a:r>
-                        <a:rPr lang="en-US" sz="2800" dirty="0" smtClean="0"/>
+                        <a:rPr lang="en-US" sz="2800" dirty="0"/>
                         <a:t>10</a:t>
                       </a:r>
-                      <a:endParaRPr lang="en-US" sz="2800" dirty="0"/>
                     </a:p>
                   </a:txBody>
                   <a:tcPr/>
@@ -6725,21 +6583,26 @@
                         <a:defRPr/>
                       </a:pPr>
                       <a:r>
-                        <a:rPr lang="en-US" sz="2800" dirty="0" smtClean="0"/>
+                        <a:rPr lang="en-US" sz="2800" dirty="0"/>
                         <a:t>Publishing</a:t>
                       </a:r>
                       <a:r>
-                        <a:rPr lang="en-US" sz="2800" baseline="0" dirty="0" smtClean="0"/>
+                        <a:rPr lang="en-US" sz="2800" baseline="0" dirty="0"/>
                         <a:t> to </a:t>
                       </a:r>
                       <a:r>
-                        <a:rPr lang="en-US" sz="2800" dirty="0" smtClean="0"/>
+                        <a:rPr lang="en-US" sz="2800" dirty="0"/>
                         <a:t>the Google Play Store</a:t>
                       </a:r>
                     </a:p>
                   </a:txBody>
                   <a:tcPr/>
                 </a:tc>
+                <a:extLst>
+                  <a:ext uri="{0D108BD9-81ED-4DB2-BD59-A6C34878D82A}">
+                    <a16:rowId xmlns:a16="http://schemas.microsoft.com/office/drawing/2014/main" val="10005"/>
+                  </a:ext>
+                </a:extLst>
               </a:tr>
             </a:tbl>
           </a:graphicData>
@@ -6817,7 +6680,7 @@
           <a:p>
             <a:pPr lvl="0"/>
             <a:r>
-              <a:rPr lang="en-US" dirty="0" smtClean="0">
+              <a:rPr lang="en-US" dirty="0">
                 <a:effectLst/>
               </a:rPr>
               <a:t>Development Environment for Xamarin Android</a:t>
@@ -6846,40 +6709,20 @@
             <a:pPr lvl="2"/>
             <a:r>
               <a:rPr lang="en-US" sz="2800" dirty="0"/>
-              <a:t>Uses Mono framework, </a:t>
-            </a:r>
-            <a:r>
-              <a:rPr lang="en-US" sz="2800" dirty="0" smtClean="0"/>
-              <a:t>Open-source, cross-platform </a:t>
-            </a:r>
+              <a:t>Uses Mono framework, Open-source, cross-platform port of a subset of Microsoft’s  .NET Libraries</a:t>
+            </a:r>
+          </a:p>
+          <a:p>
+            <a:pPr lvl="2"/>
             <a:r>
               <a:rPr lang="en-US" sz="2800" dirty="0"/>
-              <a:t>port </a:t>
-            </a:r>
-            <a:r>
-              <a:rPr lang="en-US" sz="2800" dirty="0" smtClean="0"/>
-              <a:t>of a subset of Microsoft’s  </a:t>
-            </a:r>
-            <a:r>
-              <a:rPr lang="en-US" sz="2800" dirty="0"/>
-              <a:t>.</a:t>
-            </a:r>
-            <a:r>
-              <a:rPr lang="en-US" sz="2800" dirty="0" smtClean="0"/>
-              <a:t>NET Libraries</a:t>
-            </a:r>
-          </a:p>
-          <a:p>
-            <a:pPr lvl="2"/>
-            <a:r>
-              <a:rPr lang="en-US" sz="2800" dirty="0" smtClean="0"/>
               <a:t>IDEs:</a:t>
             </a:r>
           </a:p>
           <a:p>
             <a:pPr lvl="3"/>
             <a:r>
-              <a:rPr lang="en-US" sz="2400" dirty="0" smtClean="0">
+              <a:rPr lang="en-US" sz="2400" dirty="0">
                 <a:effectLst/>
               </a:rPr>
               <a:t>Visual </a:t>
@@ -6900,55 +6743,41 @@
               </a:rPr>
               <a:t>www.visualstudio.com</a:t>
             </a:r>
-            <a:endParaRPr lang="en-US" sz="2400" dirty="0" smtClean="0">
+            <a:endParaRPr lang="en-US" sz="2400" dirty="0">
               <a:effectLst/>
             </a:endParaRPr>
           </a:p>
           <a:p>
             <a:pPr lvl="4"/>
             <a:r>
-              <a:rPr lang="en-US" sz="2400" dirty="0" smtClean="0">
+              <a:rPr lang="en-US" sz="2400" dirty="0">
                 <a:effectLst/>
               </a:rPr>
-              <a:t> </a:t>
-            </a:r>
-            <a:r>
-              <a:rPr lang="en-US" sz="2400" dirty="0" smtClean="0">
-                <a:effectLst/>
-              </a:rPr>
-              <a:t>for Mac (Based on </a:t>
-            </a:r>
-            <a:r>
-              <a:rPr lang="en-US" sz="2400" dirty="0" err="1" smtClean="0">
+              <a:t> for Mac OS (Based on </a:t>
+            </a:r>
+            <a:r>
+              <a:rPr lang="en-US" sz="2400" dirty="0" err="1">
                 <a:effectLst/>
               </a:rPr>
               <a:t>MonoDevelop</a:t>
             </a:r>
             <a:r>
-              <a:rPr lang="en-US" sz="2400" dirty="0" smtClean="0"/>
+              <a:rPr lang="en-US" sz="2400" dirty="0"/>
               <a:t>)</a:t>
             </a:r>
           </a:p>
           <a:p>
             <a:pPr lvl="4"/>
             <a:r>
-              <a:rPr lang="en-US" sz="2400" dirty="0" smtClean="0"/>
-              <a:t>for </a:t>
-            </a:r>
-            <a:r>
-              <a:rPr lang="en-US" sz="2400" dirty="0" smtClean="0"/>
-              <a:t>Windows</a:t>
+              <a:rPr lang="en-US" sz="2400" dirty="0"/>
+              <a:t>for Windows</a:t>
             </a:r>
           </a:p>
           <a:p>
             <a:pPr lvl="3"/>
             <a:r>
-              <a:rPr lang="en-US" sz="2400" dirty="0" smtClean="0"/>
-              <a:t>Jet Brains </a:t>
-            </a:r>
-            <a:r>
-              <a:rPr lang="en-US" sz="2400" dirty="0" smtClean="0"/>
-              <a:t>Rider (new in 2017) </a:t>
+              <a:rPr lang="en-US" sz="2400" dirty="0"/>
+              <a:t>Jet Brains Rider (new in 2017) </a:t>
             </a:r>
             <a:r>
               <a:rPr lang="en-US" sz="2400" dirty="0">
@@ -6961,7 +6790,7 @@
           <a:p>
             <a:pPr lvl="4"/>
             <a:r>
-              <a:rPr lang="en-US" sz="2400" dirty="0" smtClean="0"/>
+              <a:rPr lang="en-US" sz="2400" dirty="0"/>
               <a:t>for Windows</a:t>
             </a:r>
           </a:p>
@@ -6969,30 +6798,14 @@
             <a:pPr lvl="4"/>
             <a:r>
               <a:rPr lang="en-US" sz="2400" dirty="0"/>
-              <a:t>f</a:t>
-            </a:r>
-            <a:r>
-              <a:rPr lang="en-US" sz="2400" dirty="0" smtClean="0"/>
-              <a:t>or </a:t>
-            </a:r>
-            <a:r>
-              <a:rPr lang="en-US" sz="2400" dirty="0" smtClean="0"/>
-              <a:t>Mac</a:t>
+              <a:t>for Mac</a:t>
             </a:r>
           </a:p>
           <a:p>
             <a:pPr lvl="4"/>
             <a:r>
               <a:rPr lang="en-US" sz="2400" dirty="0"/>
-              <a:t>f</a:t>
-            </a:r>
-            <a:r>
-              <a:rPr lang="en-US" sz="2400" dirty="0" smtClean="0"/>
-              <a:t>or </a:t>
-            </a:r>
-            <a:r>
-              <a:rPr lang="en-US" sz="2400" dirty="0" smtClean="0"/>
-              <a:t>Linux </a:t>
+              <a:t>for Linux </a:t>
             </a:r>
             <a:endParaRPr lang="en-US" dirty="0"/>
           </a:p>
@@ -7078,7 +6891,7 @@
               <a:t>T</a:t>
             </a:r>
             <a:r>
-              <a:rPr lang="en-US" sz="3600" dirty="0" smtClean="0">
+              <a:rPr lang="en-US" sz="3600" dirty="0">
                 <a:effectLst/>
               </a:rPr>
               <a:t>esting and Emulators for Android</a:t>
@@ -7105,7 +6918,7 @@
           <a:lstStyle/>
           <a:p>
             <a:r>
-              <a:rPr lang="en-US" sz="4400" dirty="0" smtClean="0">
+              <a:rPr lang="en-US" sz="4400" dirty="0">
                 <a:effectLst/>
               </a:rPr>
               <a:t>Android Debug Bridge (ADB) - part of the Android SDK </a:t>
@@ -7115,13 +6928,13 @@
           <a:p>
             <a:pPr lvl="1"/>
             <a:r>
-              <a:rPr lang="en-US" sz="3600" dirty="0" smtClean="0"/>
+              <a:rPr lang="en-US" sz="3600" dirty="0"/>
               <a:t>Connects the IDE to a device or Emulator</a:t>
             </a:r>
           </a:p>
           <a:p>
             <a:r>
-              <a:rPr lang="en-US" sz="4400" dirty="0" smtClean="0">
+              <a:rPr lang="en-US" sz="4400" dirty="0">
                 <a:effectLst/>
               </a:rPr>
               <a:t>Google Emulator (part of the Android SDK)</a:t>
@@ -7130,72 +6943,72 @@
           <a:p>
             <a:pPr lvl="1"/>
             <a:r>
-              <a:rPr lang="en-US" sz="3600" dirty="0" smtClean="0"/>
+              <a:rPr lang="en-US" sz="3600" dirty="0"/>
               <a:t>Cross-platform (Windows, Mac, Linux)</a:t>
             </a:r>
           </a:p>
           <a:p>
             <a:pPr lvl="1"/>
             <a:r>
-              <a:rPr lang="en-US" sz="3600" dirty="0" smtClean="0"/>
+              <a:rPr lang="en-US" sz="3600" dirty="0"/>
               <a:t>Notoriously slow</a:t>
             </a:r>
-            <a:endParaRPr lang="en-US" sz="3600" dirty="0" smtClean="0">
+            <a:endParaRPr lang="en-US" sz="3600" dirty="0">
               <a:effectLst/>
             </a:endParaRPr>
           </a:p>
           <a:p>
             <a:pPr lvl="1"/>
             <a:r>
-              <a:rPr lang="en-US" sz="3600" dirty="0" smtClean="0">
+              <a:rPr lang="en-US" sz="3600" dirty="0">
                 <a:effectLst/>
               </a:rPr>
               <a:t>Intel </a:t>
             </a:r>
             <a:r>
-              <a:rPr lang="en-US" sz="3600" dirty="0" err="1" smtClean="0">
+              <a:rPr lang="en-US" sz="3600" dirty="0" err="1">
                 <a:effectLst/>
               </a:rPr>
               <a:t>Haxm</a:t>
             </a:r>
             <a:r>
-              <a:rPr lang="en-US" sz="3600" dirty="0" smtClean="0">
+              <a:rPr lang="en-US" sz="3600" dirty="0">
                 <a:effectLst/>
               </a:rPr>
               <a:t> </a:t>
             </a:r>
             <a:r>
-              <a:rPr lang="mr-IN" sz="3600" dirty="0" smtClean="0">
+              <a:rPr lang="mr-IN" sz="3600" dirty="0">
                 <a:effectLst/>
               </a:rPr>
               <a:t>–</a:t>
             </a:r>
             <a:r>
-              <a:rPr lang="en-US" sz="3600" dirty="0" smtClean="0">
+              <a:rPr lang="en-US" sz="3600" dirty="0">
                 <a:effectLst/>
               </a:rPr>
               <a:t> speeds up the Google emulators</a:t>
             </a:r>
-            <a:endParaRPr lang="en-US" sz="3600" dirty="0" smtClean="0"/>
+            <a:endParaRPr lang="en-US" sz="3600" dirty="0"/>
           </a:p>
           <a:p>
             <a:pPr lvl="2"/>
             <a:r>
-              <a:rPr lang="en-US" sz="2900" dirty="0" smtClean="0"/>
+              <a:rPr lang="en-US" sz="2900" dirty="0"/>
               <a:t>Downloadable via the Android SDK Manager</a:t>
             </a:r>
-            <a:endParaRPr lang="en-US" sz="2900" dirty="0" smtClean="0">
+            <a:endParaRPr lang="en-US" sz="2900" dirty="0">
               <a:effectLst/>
             </a:endParaRPr>
           </a:p>
           <a:p>
             <a:r>
-              <a:rPr lang="en-US" sz="4400" dirty="0" err="1" smtClean="0">
+              <a:rPr lang="en-US" sz="4400" dirty="0" err="1">
                 <a:effectLst/>
               </a:rPr>
               <a:t>GenyMotion</a:t>
             </a:r>
-            <a:endParaRPr lang="en-US" sz="4400" dirty="0" smtClean="0">
+            <a:endParaRPr lang="en-US" sz="4400" dirty="0">
               <a:effectLst/>
             </a:endParaRPr>
           </a:p>
@@ -7205,24 +7018,17 @@
               <a:rPr lang="en-US" sz="3600" dirty="0">
                 <a:hlinkClick r:id="rId2"/>
               </a:rPr>
-              <a:t>https://www.genymotion.com/pricing-and-</a:t>
-            </a:r>
-            <a:r>
-              <a:rPr lang="en-US" sz="3600" dirty="0" smtClean="0">
-                <a:hlinkClick r:id="rId2"/>
-              </a:rPr>
-              <a:t>licensing</a:t>
-            </a:r>
-            <a:r>
-              <a:rPr lang="en-US" sz="3600" dirty="0" smtClean="0"/>
+              <a:t>https://www.genymotion.com/pricing-and-licensing</a:t>
+            </a:r>
+            <a:r>
+              <a:rPr lang="en-US" sz="3600" dirty="0"/>
               <a:t> </a:t>
             </a:r>
-            <a:endParaRPr lang="en-US" sz="3600" dirty="0"/>
           </a:p>
           <a:p>
             <a:pPr lvl="1"/>
             <a:r>
-              <a:rPr lang="en-US" sz="3600" dirty="0" smtClean="0">
+              <a:rPr lang="en-US" sz="3600" dirty="0">
                 <a:effectLst/>
               </a:rPr>
               <a:t>The Individual, Basic plan is free</a:t>
@@ -7230,7 +7036,7 @@
           </a:p>
           <a:p>
             <a:r>
-              <a:rPr lang="en-US" sz="4400" dirty="0" smtClean="0">
+              <a:rPr lang="en-US" sz="4400" dirty="0">
                 <a:effectLst/>
               </a:rPr>
               <a:t>Visual Studio </a:t>
@@ -7239,34 +7045,21 @@
               <a:rPr lang="en-US" sz="4400" dirty="0"/>
               <a:t>Android Emulator </a:t>
             </a:r>
-            <a:endParaRPr lang="en-US" sz="4400" dirty="0" smtClean="0"/>
           </a:p>
           <a:p>
             <a:pPr lvl="1"/>
-            <a:r>
-              <a:rPr lang="en-US" sz="3600" dirty="0" smtClean="0">
-                <a:hlinkClick r:id="rId3"/>
-              </a:rPr>
-              <a:t>https</a:t>
-            </a:r>
             <a:r>
               <a:rPr lang="en-US" sz="3600" dirty="0">
                 <a:hlinkClick r:id="rId3"/>
               </a:rPr>
-              <a:t>://</a:t>
-            </a:r>
-            <a:r>
-              <a:rPr lang="en-US" sz="3600" dirty="0" smtClean="0">
-                <a:hlinkClick r:id="rId3"/>
-              </a:rPr>
-              <a:t>www.visualstudio.com/en-us/features/msft-android-emulator-vs.aspx</a:t>
-            </a:r>
-            <a:endParaRPr lang="en-US" sz="3600" dirty="0" smtClean="0"/>
+              <a:t>https://www.visualstudio.com/en-us/features/msft-android-emulator-vs.aspx</a:t>
+            </a:r>
+            <a:endParaRPr lang="en-US" sz="3600" dirty="0"/>
           </a:p>
           <a:p>
             <a:pPr lvl="1"/>
             <a:r>
-              <a:rPr lang="en-US" sz="3600" dirty="0" smtClean="0">
+              <a:rPr lang="en-US" sz="3600" dirty="0">
                 <a:effectLst/>
               </a:rPr>
               <a:t>Requires Windows 10</a:t>
@@ -7274,7 +7067,7 @@
           </a:p>
           <a:p>
             <a:r>
-              <a:rPr lang="en-US" sz="4400" dirty="0" smtClean="0">
+              <a:rPr lang="en-US" sz="4400" dirty="0">
                 <a:effectLst/>
               </a:rPr>
               <a:t>Actual Android device</a:t>
@@ -7354,83 +7147,82 @@
           <a:lstStyle/>
           <a:p>
             <a:r>
-              <a:rPr lang="en-US" dirty="0" smtClean="0"/>
+              <a:rPr lang="en-US" dirty="0"/>
               <a:t>About me</a:t>
             </a:r>
+          </a:p>
+        </p:txBody>
+      </p:sp>
+      <p:sp>
+        <p:nvSpPr>
+          <p:cNvPr id="3" name="Content Placeholder 2"/>
+          <p:cNvSpPr>
+            <a:spLocks noGrp="1"/>
+          </p:cNvSpPr>
+          <p:nvPr>
+            <p:ph idx="1"/>
+          </p:nvPr>
+        </p:nvSpPr>
+        <p:spPr/>
+        <p:txBody>
+          <a:bodyPr/>
+          <a:lstStyle/>
+          <a:p>
+            <a:r>
+              <a:rPr lang="en-US" dirty="0"/>
+              <a:t>BSEE from PSU, MA from UO</a:t>
+            </a:r>
+          </a:p>
+          <a:p>
+            <a:r>
+              <a:rPr lang="en-US" dirty="0"/>
+              <a:t>Worked as a EE at </a:t>
+            </a:r>
+            <a:r>
+              <a:rPr lang="en-US" dirty="0" err="1"/>
+              <a:t>TriQuint</a:t>
+            </a:r>
+            <a:r>
+              <a:rPr lang="en-US" dirty="0"/>
+              <a:t> Semiconductor, then morphed into a software engineer</a:t>
+            </a:r>
+          </a:p>
+          <a:p>
+            <a:r>
+              <a:rPr lang="en-US" dirty="0"/>
+              <a:t>Senior software engineer at </a:t>
+            </a:r>
+            <a:r>
+              <a:rPr lang="en-US" dirty="0" err="1"/>
+              <a:t>Axian</a:t>
+            </a:r>
+            <a:r>
+              <a:rPr lang="en-US" dirty="0"/>
+              <a:t> Inc.</a:t>
+            </a:r>
+          </a:p>
+          <a:p>
+            <a:r>
+              <a:rPr lang="en-US" dirty="0"/>
+              <a:t>Started Creative </a:t>
+            </a:r>
+            <a:r>
+              <a:rPr lang="en-US" dirty="0" err="1"/>
+              <a:t>CyberSolutions</a:t>
+            </a:r>
+            <a:r>
+              <a:rPr lang="en-US" dirty="0"/>
+              <a:t>, a software development business</a:t>
+            </a:r>
+          </a:p>
+          <a:p>
+            <a:r>
+              <a:rPr lang="en-US" dirty="0"/>
+              <a:t>Started teaching at LCC in 2009</a:t>
+            </a:r>
+          </a:p>
+          <a:p>
             <a:endParaRPr lang="en-US" dirty="0"/>
-          </a:p>
-        </p:txBody>
-      </p:sp>
-      <p:sp>
-        <p:nvSpPr>
-          <p:cNvPr id="3" name="Content Placeholder 2"/>
-          <p:cNvSpPr>
-            <a:spLocks noGrp="1"/>
-          </p:cNvSpPr>
-          <p:nvPr>
-            <p:ph idx="1"/>
-          </p:nvPr>
-        </p:nvSpPr>
-        <p:spPr/>
-        <p:txBody>
-          <a:bodyPr/>
-          <a:lstStyle/>
-          <a:p>
-            <a:r>
-              <a:rPr lang="en-US" dirty="0" smtClean="0"/>
-              <a:t>BSEE from PSU, MA from UO</a:t>
-            </a:r>
-          </a:p>
-          <a:p>
-            <a:r>
-              <a:rPr lang="en-US" dirty="0" smtClean="0"/>
-              <a:t>Worked as a EE at </a:t>
-            </a:r>
-            <a:r>
-              <a:rPr lang="en-US" dirty="0" err="1" smtClean="0"/>
-              <a:t>TriQuint</a:t>
-            </a:r>
-            <a:r>
-              <a:rPr lang="en-US" dirty="0" smtClean="0"/>
-              <a:t> Semiconductor, then morphed into a software engineer</a:t>
-            </a:r>
-          </a:p>
-          <a:p>
-            <a:r>
-              <a:rPr lang="en-US" dirty="0" smtClean="0"/>
-              <a:t>Senior software engineer at </a:t>
-            </a:r>
-            <a:r>
-              <a:rPr lang="en-US" dirty="0" err="1" smtClean="0"/>
-              <a:t>Axian</a:t>
-            </a:r>
-            <a:r>
-              <a:rPr lang="en-US" dirty="0" smtClean="0"/>
-              <a:t> Inc.</a:t>
-            </a:r>
-          </a:p>
-          <a:p>
-            <a:r>
-              <a:rPr lang="en-US" dirty="0" smtClean="0"/>
-              <a:t>Started Creative </a:t>
-            </a:r>
-            <a:r>
-              <a:rPr lang="en-US" dirty="0" err="1" smtClean="0"/>
-              <a:t>CyberSolutions</a:t>
-            </a:r>
-            <a:r>
-              <a:rPr lang="en-US" dirty="0" smtClean="0"/>
-              <a:t>, a software development business</a:t>
-            </a:r>
-          </a:p>
-          <a:p>
-            <a:r>
-              <a:rPr lang="en-US" dirty="0" smtClean="0"/>
-              <a:t>Started teaching at LCC in 2009</a:t>
-            </a:r>
-          </a:p>
-          <a:p>
-            <a:endParaRPr lang="en-US" dirty="0" smtClean="0"/>
           </a:p>
           <a:p>
             <a:pPr marL="0" indent="0">
@@ -7509,54 +7301,49 @@
           <a:lstStyle/>
           <a:p>
             <a:r>
-              <a:rPr lang="en-US" dirty="0" smtClean="0"/>
+              <a:rPr lang="en-US" dirty="0"/>
               <a:t>About you</a:t>
             </a:r>
+          </a:p>
+        </p:txBody>
+      </p:sp>
+      <p:sp>
+        <p:nvSpPr>
+          <p:cNvPr id="3" name="Content Placeholder 2"/>
+          <p:cNvSpPr>
+            <a:spLocks noGrp="1"/>
+          </p:cNvSpPr>
+          <p:nvPr>
+            <p:ph idx="1"/>
+          </p:nvPr>
+        </p:nvSpPr>
+        <p:spPr/>
+        <p:txBody>
+          <a:bodyPr/>
+          <a:lstStyle/>
+          <a:p>
+            <a:r>
+              <a:rPr lang="en-US" dirty="0"/>
+              <a:t>Which degree or certificate are you pursuing?</a:t>
+            </a:r>
+          </a:p>
+          <a:p>
+            <a:r>
+              <a:rPr lang="en-US" dirty="0"/>
+              <a:t>What mobile devices do you own?</a:t>
+            </a:r>
+          </a:p>
+          <a:p>
+            <a:r>
+              <a:rPr lang="en-US" dirty="0"/>
+              <a:t>Programming experience?</a:t>
+            </a:r>
+          </a:p>
+          <a:p>
             <a:endParaRPr lang="en-US" dirty="0"/>
           </a:p>
-        </p:txBody>
-      </p:sp>
-      <p:sp>
-        <p:nvSpPr>
-          <p:cNvPr id="3" name="Content Placeholder 2"/>
-          <p:cNvSpPr>
-            <a:spLocks noGrp="1"/>
-          </p:cNvSpPr>
-          <p:nvPr>
-            <p:ph idx="1"/>
-          </p:nvPr>
-        </p:nvSpPr>
-        <p:spPr/>
-        <p:txBody>
-          <a:bodyPr/>
-          <a:lstStyle/>
-          <a:p>
-            <a:r>
-              <a:rPr lang="en-US" dirty="0" smtClean="0"/>
-              <a:t>Which degree or certificate are you pursuing?</a:t>
-            </a:r>
-          </a:p>
-          <a:p>
-            <a:r>
-              <a:rPr lang="en-US" dirty="0" smtClean="0"/>
-              <a:t>What mobile devices do you own?</a:t>
-            </a:r>
-          </a:p>
-          <a:p>
-            <a:r>
-              <a:rPr lang="en-US" dirty="0"/>
-              <a:t>Programming experience</a:t>
-            </a:r>
-            <a:r>
-              <a:rPr lang="en-US" dirty="0" smtClean="0"/>
-              <a:t>?</a:t>
-            </a:r>
-          </a:p>
           <a:p>
             <a:endParaRPr lang="en-US" dirty="0"/>
-          </a:p>
-          <a:p>
-            <a:endParaRPr lang="en-US" dirty="0" smtClean="0"/>
           </a:p>
           <a:p>
             <a:pPr marL="0" indent="0">
@@ -7635,10 +7422,9 @@
           <a:lstStyle/>
           <a:p>
             <a:r>
-              <a:rPr lang="en-US" dirty="0" smtClean="0"/>
+              <a:rPr lang="en-US" dirty="0"/>
               <a:t>Introduction</a:t>
             </a:r>
-            <a:endParaRPr lang="en-US" dirty="0"/>
           </a:p>
         </p:txBody>
       </p:sp>
@@ -7658,26 +7444,26 @@
           <a:lstStyle/>
           <a:p>
             <a:r>
-              <a:rPr lang="en-US" dirty="0" smtClean="0"/>
+              <a:rPr lang="en-US" dirty="0"/>
               <a:t>Why learn to do mobile app development?</a:t>
             </a:r>
           </a:p>
           <a:p>
             <a:pPr lvl="1"/>
             <a:r>
-              <a:rPr lang="en-US" dirty="0" smtClean="0"/>
+              <a:rPr lang="en-US" dirty="0"/>
               <a:t>Why Android?</a:t>
             </a:r>
           </a:p>
           <a:p>
             <a:r>
-              <a:rPr lang="en-US" dirty="0" smtClean="0"/>
+              <a:rPr lang="en-US" dirty="0"/>
               <a:t>How is mobile app development different from other types of development?</a:t>
             </a:r>
           </a:p>
           <a:p>
             <a:r>
-              <a:rPr lang="en-US" dirty="0" smtClean="0"/>
+              <a:rPr lang="en-US" dirty="0"/>
               <a:t>What tools and frameworks can be used for mobile app development?</a:t>
             </a:r>
           </a:p>
@@ -7755,21 +7541,8 @@
           <a:p>
             <a:r>
               <a:rPr lang="en-US" dirty="0"/>
-              <a:t>Why learn </a:t>
-            </a:r>
-            <a:r>
-              <a:rPr lang="en-US" dirty="0" smtClean="0"/>
-              <a:t>mobile </a:t>
-            </a:r>
-            <a:r>
-              <a:rPr lang="en-US" dirty="0"/>
-              <a:t>app development</a:t>
-            </a:r>
-            <a:r>
-              <a:rPr lang="en-US" dirty="0" smtClean="0"/>
-              <a:t>?</a:t>
-            </a:r>
-            <a:endParaRPr lang="en-US" dirty="0"/>
+              <a:t>Why learn mobile app development?</a:t>
+            </a:r>
           </a:p>
         </p:txBody>
       </p:sp>
@@ -7791,14 +7564,14 @@
             <a:pPr marL="0" indent="0" algn="ctr">
               <a:buNone/>
             </a:pPr>
-            <a:endParaRPr lang="en-US" dirty="0" smtClean="0"/>
+            <a:endParaRPr lang="en-US" dirty="0"/>
           </a:p>
           <a:p>
             <a:pPr marL="0" indent="0" algn="ctr">
               <a:buNone/>
             </a:pPr>
             <a:r>
-              <a:rPr lang="en-US" dirty="0" smtClean="0"/>
+              <a:rPr lang="en-US" dirty="0"/>
               <a:t>What reasons can you think of?</a:t>
             </a:r>
           </a:p>
@@ -7876,28 +7649,15 @@
           <a:p>
             <a:r>
               <a:rPr lang="en-US" dirty="0"/>
-              <a:t>Why learn </a:t>
-            </a:r>
-            <a:r>
-              <a:rPr lang="en-US" dirty="0" smtClean="0"/>
-              <a:t>mobile </a:t>
-            </a:r>
-            <a:r>
+              <a:t>Why learn mobile app development?</a:t>
+            </a:r>
+            <a:br>
               <a:rPr lang="en-US" dirty="0"/>
-              <a:t>app development</a:t>
-            </a:r>
-            <a:r>
-              <a:rPr lang="en-US" dirty="0" smtClean="0"/>
-              <a:t>?</a:t>
-            </a:r>
-            <a:br>
-              <a:rPr lang="en-US" dirty="0" smtClean="0"/>
             </a:br>
             <a:r>
-              <a:rPr lang="en-US" dirty="0" smtClean="0"/>
+              <a:rPr lang="en-US" dirty="0"/>
               <a:t>1. Business opportunity</a:t>
             </a:r>
-            <a:endParaRPr lang="en-US" dirty="0"/>
           </a:p>
         </p:txBody>
       </p:sp>
@@ -7920,12 +7680,12 @@
               <a:buNone/>
             </a:pPr>
             <a:r>
-              <a:rPr lang="en-US" dirty="0" smtClean="0"/>
+              <a:rPr lang="en-US" dirty="0"/>
               <a:t>Mobile users outnumber desktop users</a:t>
             </a:r>
           </a:p>
           <a:p>
-            <a:endParaRPr lang="en-US" dirty="0" smtClean="0"/>
+            <a:endParaRPr lang="en-US" dirty="0"/>
           </a:p>
         </p:txBody>
       </p:sp>
@@ -8030,10 +7790,9 @@
           <a:lstStyle/>
           <a:p>
             <a:r>
-              <a:rPr lang="en-US" dirty="0" smtClean="0"/>
+              <a:rPr lang="en-US" dirty="0"/>
               <a:t>Why learn Android app development?</a:t>
             </a:r>
-            <a:endParaRPr lang="en-US" dirty="0"/>
           </a:p>
         </p:txBody>
       </p:sp>
@@ -8056,12 +7815,12 @@
               <a:buNone/>
             </a:pPr>
             <a:r>
-              <a:rPr lang="en-US" dirty="0" smtClean="0"/>
+              <a:rPr lang="en-US" dirty="0"/>
               <a:t>Android devices outnumber iOS devices</a:t>
             </a:r>
           </a:p>
           <a:p>
-            <a:endParaRPr lang="en-US" dirty="0" smtClean="0"/>
+            <a:endParaRPr lang="en-US" dirty="0"/>
           </a:p>
         </p:txBody>
       </p:sp>
@@ -8111,16 +7870,8 @@
           <a:lstStyle/>
           <a:p>
             <a:r>
-              <a:rPr lang="en-US" dirty="0" smtClean="0"/>
-              <a:t>Units shipped, </a:t>
-            </a:r>
-            <a:r>
               <a:rPr lang="en-US" dirty="0"/>
-              <a:t>s</a:t>
-            </a:r>
-            <a:r>
-              <a:rPr lang="en-US" dirty="0" smtClean="0"/>
-              <a:t>ource: IDC</a:t>
+              <a:t>Units shipped, source: IDC</a:t>
             </a:r>
           </a:p>
         </p:txBody>
@@ -8196,10 +7947,9 @@
           <a:lstStyle/>
           <a:p>
             <a:r>
-              <a:rPr lang="en-US" dirty="0" smtClean="0"/>
+              <a:rPr lang="en-US" dirty="0"/>
               <a:t>Market Share of US Smartphone Operating Systems in Q3, 2015</a:t>
             </a:r>
-            <a:endParaRPr lang="en-US" dirty="0"/>
           </a:p>
         </p:txBody>
       </p:sp>
@@ -8248,10 +7998,9 @@
           <a:lstStyle/>
           <a:p>
             <a:r>
-              <a:rPr lang="en-US" dirty="0" smtClean="0"/>
+              <a:rPr lang="en-US" dirty="0"/>
               <a:t>Source: The Nielson Company, 12/17/2015 </a:t>
             </a:r>
-            <a:endParaRPr lang="en-US" dirty="0"/>
           </a:p>
         </p:txBody>
       </p:sp>

--- a/Slides/Wk1Day1-Intro.pptx
+++ b/Slides/Wk1Day1-Intro.pptx
@@ -4882,7 +4882,7 @@
               <a:rPr lang="en-US" dirty="0">
                 <a:effectLst/>
               </a:rPr>
-              <a:t>Android: Java using Eclipse or Android Studio (</a:t>
+              <a:t>Android: Java or Kotlin using Android Studio (</a:t>
             </a:r>
             <a:r>
               <a:rPr lang="en-US" dirty="0" err="1">
@@ -5139,7 +5139,7 @@
         <p:spPr/>
         <p:txBody>
           <a:bodyPr>
-            <a:normAutofit fontScale="77500" lnSpcReduction="20000"/>
+            <a:normAutofit fontScale="85000" lnSpcReduction="20000"/>
           </a:bodyPr>
           <a:lstStyle/>
           <a:p>
@@ -5162,13 +5162,6 @@
             <a:r>
               <a:rPr lang="en-US" sz="3200" dirty="0"/>
               <a:t>Beginning and Intermediate C# (CS 133N &amp; 233N)</a:t>
-            </a:r>
-          </a:p>
-          <a:p>
-            <a:pPr lvl="1"/>
-            <a:r>
-              <a:rPr lang="en-US" sz="3200" dirty="0"/>
-              <a:t>Beginning and Intermediate Java (CS 161J &amp; 162J)</a:t>
             </a:r>
           </a:p>
           <a:p>
